--- a/restful-api-presentations/phillips-presentation-week-1.pptx
+++ b/restful-api-presentations/phillips-presentation-week-1.pptx
@@ -5,16 +5,22 @@
     <p:sldMasterId id="2147483660" r:id="rId4"/>
   </p:sldMasterIdLst>
   <p:notesMasterIdLst>
-    <p:notesMasterId r:id="rId9"/>
+    <p:notesMasterId r:id="rId15"/>
   </p:notesMasterIdLst>
   <p:handoutMasterIdLst>
-    <p:handoutMasterId r:id="rId10"/>
+    <p:handoutMasterId r:id="rId16"/>
   </p:handoutMasterIdLst>
   <p:sldIdLst>
     <p:sldId id="256" r:id="rId5"/>
     <p:sldId id="271" r:id="rId6"/>
-    <p:sldId id="279" r:id="rId7"/>
-    <p:sldId id="282" r:id="rId8"/>
+    <p:sldId id="287" r:id="rId7"/>
+    <p:sldId id="288" r:id="rId8"/>
+    <p:sldId id="279" r:id="rId9"/>
+    <p:sldId id="284" r:id="rId10"/>
+    <p:sldId id="285" r:id="rId11"/>
+    <p:sldId id="283" r:id="rId12"/>
+    <p:sldId id="286" r:id="rId13"/>
+    <p:sldId id="282" r:id="rId14"/>
   </p:sldIdLst>
   <p:sldSz cx="12192000" cy="6858000"/>
   <p:notesSz cx="6858000" cy="9144000"/>
@@ -124,7 +130,13 @@
         <p14:section name="Design, Morph, Annotate, Work Together, Tell Me" id="{B9B51309-D148-4332-87C2-07BE32FBCA3B}">
           <p14:sldIdLst>
             <p14:sldId id="271"/>
+            <p14:sldId id="287"/>
+            <p14:sldId id="288"/>
             <p14:sldId id="279"/>
+            <p14:sldId id="284"/>
+            <p14:sldId id="285"/>
+            <p14:sldId id="283"/>
+            <p14:sldId id="286"/>
           </p14:sldIdLst>
         </p14:section>
         <p14:section name="Learn More" id="{2CC34DB2-6590-42C0-AD4B-A04C6060184E}">
@@ -243,7 +255,7 @@
           <a:p>
             <a:fld id="{80680FBE-A8DF-4758-9AC4-3A9E1039168F}" type="datetimeFigureOut">
               <a:rPr lang="en-US" smtClean="0"/>
-              <a:t>10/15/2019</a:t>
+              <a:t>10/16/2019</a:t>
             </a:fld>
             <a:endParaRPr lang="en-US" dirty="0"/>
           </a:p>
@@ -408,7 +420,7 @@
           <a:p>
             <a:fld id="{EC13577B-6902-467D-A26C-08A0DD5E4E03}" type="datetimeFigureOut">
               <a:rPr lang="en-US" smtClean="0"/>
-              <a:t>10/15/2019</a:t>
+              <a:t>10/16/2019</a:t>
             </a:fld>
             <a:endParaRPr lang="en-US" dirty="0"/>
           </a:p>
@@ -842,7 +854,7 @@
           <a:p>
             <a:fld id="{DF61EA0F-A667-4B49-8422-0062BC55E249}" type="slidenum">
               <a:rPr lang="en-US" smtClean="0"/>
-              <a:t>4</a:t>
+              <a:t>10</a:t>
             </a:fld>
             <a:endParaRPr lang="en-US" dirty="0"/>
           </a:p>
@@ -1300,7 +1312,7 @@
             <a:fld id="{8BEEBAAA-29B5-4AF5-BC5F-7E580C29002D}" type="datetimeFigureOut">
               <a:rPr lang="en-US" smtClean="0"/>
               <a:pPr/>
-              <a:t>10/15/2019</a:t>
+              <a:t>10/16/2019</a:t>
             </a:fld>
             <a:endParaRPr lang="en-US" dirty="0"/>
           </a:p>
@@ -1926,7 +1938,7 @@
             <a:fld id="{8BEEBAAA-29B5-4AF5-BC5F-7E580C29002D}" type="datetimeFigureOut">
               <a:rPr lang="en-US" smtClean="0"/>
               <a:pPr/>
-              <a:t>10/15/2019</a:t>
+              <a:t>10/16/2019</a:t>
             </a:fld>
             <a:endParaRPr lang="en-US" dirty="0"/>
           </a:p>
@@ -2465,6 +2477,481 @@
 </p:sld>
 </file>
 
+<file path=ppt/slides/slide10.xml><?xml version="1.0" encoding="utf-8"?>
+<p:sld xmlns:a="http://schemas.openxmlformats.org/drawingml/2006/main" xmlns:r="http://schemas.openxmlformats.org/officeDocument/2006/relationships" xmlns:p="http://schemas.openxmlformats.org/presentationml/2006/main">
+  <p:cSld>
+    <p:spTree>
+      <p:nvGrpSpPr>
+        <p:cNvPr id="1" name=""/>
+        <p:cNvGrpSpPr/>
+        <p:nvPr/>
+      </p:nvGrpSpPr>
+      <p:grpSpPr>
+        <a:xfrm>
+          <a:off x="0" y="0"/>
+          <a:ext cx="0" cy="0"/>
+          <a:chOff x="0" y="0"/>
+          <a:chExt cx="0" cy="0"/>
+        </a:xfrm>
+      </p:grpSpPr>
+      <p:sp>
+        <p:nvSpPr>
+          <p:cNvPr id="10" name="Title 9"/>
+          <p:cNvSpPr>
+            <a:spLocks noGrp="1"/>
+          </p:cNvSpPr>
+          <p:nvPr>
+            <p:ph type="title"/>
+          </p:nvPr>
+        </p:nvSpPr>
+        <p:spPr/>
+        <p:txBody>
+          <a:bodyPr>
+            <a:normAutofit/>
+          </a:bodyPr>
+          <a:lstStyle/>
+          <a:p>
+            <a:r>
+              <a:rPr lang="en-US" dirty="0">
+                <a:latin typeface="Segoe UI Light" panose="020B0502040204020203" pitchFamily="34" charset="0"/>
+                <a:cs typeface="Segoe UI Light" panose="020B0502040204020203" pitchFamily="34" charset="0"/>
+              </a:rPr>
+              <a:t>References</a:t>
+            </a:r>
+          </a:p>
+        </p:txBody>
+      </p:sp>
+      <p:sp>
+        <p:nvSpPr>
+          <p:cNvPr id="5" name="Content Placeholder 4"/>
+          <p:cNvSpPr>
+            <a:spLocks noGrp="1"/>
+          </p:cNvSpPr>
+          <p:nvPr>
+            <p:ph sz="half" idx="4294967295"/>
+          </p:nvPr>
+        </p:nvSpPr>
+        <p:spPr>
+          <a:xfrm>
+            <a:off x="541611" y="2614427"/>
+            <a:ext cx="9442648" cy="3978275"/>
+          </a:xfrm>
+        </p:spPr>
+        <p:txBody>
+          <a:bodyPr>
+            <a:normAutofit/>
+          </a:bodyPr>
+          <a:lstStyle/>
+          <a:p>
+            <a:pPr>
+              <a:lnSpc>
+                <a:spcPct val="100000"/>
+              </a:lnSpc>
+              <a:spcBef>
+                <a:spcPts val="0"/>
+              </a:spcBef>
+              <a:spcAft>
+                <a:spcPts val="0"/>
+              </a:spcAft>
+            </a:pPr>
+            <a:r>
+              <a:rPr lang="en-US" sz="1050" dirty="0" smtClean="0"/>
+              <a:t>Rouse, M. (2019, July). REST (</a:t>
+            </a:r>
+            <a:r>
+              <a:rPr lang="en-US" sz="1050" dirty="0" err="1" smtClean="0"/>
+              <a:t>REpresentational</a:t>
+            </a:r>
+            <a:r>
+              <a:rPr lang="en-US" sz="1050" dirty="0" smtClean="0"/>
+              <a:t> State Transfer). Retrieved October 16, 2019, from </a:t>
+            </a:r>
+          </a:p>
+          <a:p>
+            <a:pPr>
+              <a:lnSpc>
+                <a:spcPct val="100000"/>
+              </a:lnSpc>
+              <a:spcBef>
+                <a:spcPts val="0"/>
+              </a:spcBef>
+              <a:spcAft>
+                <a:spcPts val="0"/>
+              </a:spcAft>
+            </a:pPr>
+            <a:r>
+              <a:rPr lang="en-US" sz="1050" dirty="0" smtClean="0"/>
+              <a:t>     </a:t>
+            </a:r>
+            <a:r>
+              <a:rPr lang="en-US" sz="1050" dirty="0" err="1" smtClean="0"/>
+              <a:t>SearchApp</a:t>
+            </a:r>
+            <a:r>
+              <a:rPr lang="en-US" sz="1050" dirty="0" smtClean="0"/>
+              <a:t> Architecture website: https://searchapparchitecture.techtarget.com/definition/ </a:t>
+            </a:r>
+          </a:p>
+          <a:p>
+            <a:pPr>
+              <a:lnSpc>
+                <a:spcPct val="100000"/>
+              </a:lnSpc>
+              <a:spcBef>
+                <a:spcPts val="0"/>
+              </a:spcBef>
+              <a:spcAft>
+                <a:spcPts val="0"/>
+              </a:spcAft>
+            </a:pPr>
+            <a:r>
+              <a:rPr lang="en-US" sz="1050" dirty="0" smtClean="0"/>
+              <a:t>     REST-</a:t>
+            </a:r>
+            <a:r>
+              <a:rPr lang="en-US" sz="1050" dirty="0" err="1" smtClean="0"/>
+              <a:t>REpresentational</a:t>
+            </a:r>
+            <a:r>
+              <a:rPr lang="en-US" sz="1050" dirty="0" smtClean="0"/>
+              <a:t>-State-Transfer</a:t>
+            </a:r>
+          </a:p>
+          <a:p>
+            <a:pPr>
+              <a:lnSpc>
+                <a:spcPct val="100000"/>
+              </a:lnSpc>
+              <a:spcBef>
+                <a:spcPts val="0"/>
+              </a:spcBef>
+              <a:spcAft>
+                <a:spcPts val="0"/>
+              </a:spcAft>
+            </a:pPr>
+            <a:endParaRPr lang="en-US" sz="1050" dirty="0" smtClean="0"/>
+          </a:p>
+          <a:p>
+            <a:pPr>
+              <a:lnSpc>
+                <a:spcPct val="100000"/>
+              </a:lnSpc>
+              <a:spcBef>
+                <a:spcPts val="0"/>
+              </a:spcBef>
+              <a:spcAft>
+                <a:spcPts val="0"/>
+              </a:spcAft>
+            </a:pPr>
+            <a:r>
+              <a:rPr lang="en-US" sz="1050" dirty="0" err="1"/>
+              <a:t>Luecke</a:t>
+            </a:r>
+            <a:r>
+              <a:rPr lang="en-US" sz="1050" dirty="0"/>
+              <a:t>, D. (2018, November 18). Design patterns for modern web APIs. Retrieved October 16, 2019, </a:t>
+            </a:r>
+          </a:p>
+          <a:p>
+            <a:pPr>
+              <a:lnSpc>
+                <a:spcPct val="100000"/>
+              </a:lnSpc>
+              <a:spcBef>
+                <a:spcPts val="0"/>
+              </a:spcBef>
+              <a:spcAft>
+                <a:spcPts val="0"/>
+              </a:spcAft>
+            </a:pPr>
+            <a:r>
+              <a:rPr lang="en-US" sz="1050" dirty="0"/>
+              <a:t>     from Feathers website: https://blog.feathersjs.com/ </a:t>
+            </a:r>
+          </a:p>
+          <a:p>
+            <a:pPr>
+              <a:lnSpc>
+                <a:spcPct val="100000"/>
+              </a:lnSpc>
+              <a:spcBef>
+                <a:spcPts val="0"/>
+              </a:spcBef>
+              <a:spcAft>
+                <a:spcPts val="0"/>
+              </a:spcAft>
+            </a:pPr>
+            <a:r>
+              <a:rPr lang="en-US" sz="1050" dirty="0"/>
+              <a:t>     design-patterns-for-modern-web-apis-1f046635215 </a:t>
+            </a:r>
+            <a:endParaRPr lang="en-US" sz="1050" dirty="0" smtClean="0"/>
+          </a:p>
+          <a:p>
+            <a:pPr>
+              <a:lnSpc>
+                <a:spcPct val="100000"/>
+              </a:lnSpc>
+              <a:spcBef>
+                <a:spcPts val="0"/>
+              </a:spcBef>
+              <a:spcAft>
+                <a:spcPts val="0"/>
+              </a:spcAft>
+            </a:pPr>
+            <a:endParaRPr lang="en-US" sz="1050" dirty="0"/>
+          </a:p>
+          <a:p>
+            <a:pPr>
+              <a:lnSpc>
+                <a:spcPct val="100000"/>
+              </a:lnSpc>
+              <a:spcBef>
+                <a:spcPts val="0"/>
+              </a:spcBef>
+              <a:spcAft>
+                <a:spcPts val="0"/>
+              </a:spcAft>
+            </a:pPr>
+            <a:r>
+              <a:rPr lang="en-US" sz="1050" dirty="0" err="1"/>
+              <a:t>studytonight</a:t>
+            </a:r>
+            <a:r>
+              <a:rPr lang="en-US" sz="1050" dirty="0"/>
+              <a:t>. (</a:t>
+            </a:r>
+            <a:r>
+              <a:rPr lang="en-US" sz="1050" dirty="0" err="1"/>
+              <a:t>n.d.</a:t>
+            </a:r>
+            <a:r>
+              <a:rPr lang="en-US" sz="1050" dirty="0"/>
+              <a:t>). Understanding HTTP: The Backbone of REST. Retrieved October 16, 2019, from </a:t>
+            </a:r>
+          </a:p>
+          <a:p>
+            <a:pPr>
+              <a:lnSpc>
+                <a:spcPct val="100000"/>
+              </a:lnSpc>
+              <a:spcBef>
+                <a:spcPts val="0"/>
+              </a:spcBef>
+              <a:spcAft>
+                <a:spcPts val="0"/>
+              </a:spcAft>
+            </a:pPr>
+            <a:r>
+              <a:rPr lang="en-US" sz="1050" dirty="0"/>
+              <a:t>     </a:t>
+            </a:r>
+            <a:r>
+              <a:rPr lang="en-US" sz="1050" dirty="0" err="1"/>
+              <a:t>studytonight</a:t>
+            </a:r>
+            <a:r>
+              <a:rPr lang="en-US" sz="1050" dirty="0"/>
+              <a:t> website: https://www.studytonight.com/rest-web-service/understanding-http </a:t>
+            </a:r>
+            <a:endParaRPr lang="en-US" sz="1050" dirty="0" smtClean="0"/>
+          </a:p>
+          <a:p>
+            <a:pPr>
+              <a:lnSpc>
+                <a:spcPct val="100000"/>
+              </a:lnSpc>
+              <a:spcBef>
+                <a:spcPts val="0"/>
+              </a:spcBef>
+              <a:spcAft>
+                <a:spcPts val="0"/>
+              </a:spcAft>
+            </a:pPr>
+            <a:endParaRPr lang="en-US" sz="1050" dirty="0"/>
+          </a:p>
+          <a:p>
+            <a:pPr>
+              <a:lnSpc>
+                <a:spcPct val="100000"/>
+              </a:lnSpc>
+              <a:spcBef>
+                <a:spcPts val="0"/>
+              </a:spcBef>
+              <a:spcAft>
+                <a:spcPts val="0"/>
+              </a:spcAft>
+            </a:pPr>
+            <a:r>
+              <a:rPr lang="en-US" sz="1050" dirty="0" err="1"/>
+              <a:t>RestApiTutorial</a:t>
+            </a:r>
+            <a:r>
+              <a:rPr lang="en-US" sz="1050" dirty="0"/>
+              <a:t>. (</a:t>
+            </a:r>
+            <a:r>
+              <a:rPr lang="en-US" sz="1050" dirty="0" err="1"/>
+              <a:t>n.d.</a:t>
+            </a:r>
+            <a:r>
+              <a:rPr lang="en-US" sz="1050" dirty="0"/>
+              <a:t>). Using HTTP Methods for RESTful Services. Retrieved October 16, 2019, from </a:t>
+            </a:r>
+          </a:p>
+          <a:p>
+            <a:pPr>
+              <a:lnSpc>
+                <a:spcPct val="100000"/>
+              </a:lnSpc>
+              <a:spcBef>
+                <a:spcPts val="0"/>
+              </a:spcBef>
+              <a:spcAft>
+                <a:spcPts val="0"/>
+              </a:spcAft>
+            </a:pPr>
+            <a:r>
+              <a:rPr lang="en-US" sz="1050" dirty="0"/>
+              <a:t>     </a:t>
+            </a:r>
+            <a:r>
+              <a:rPr lang="en-US" sz="1050" dirty="0" err="1"/>
+              <a:t>RestApiTutorial</a:t>
+            </a:r>
+            <a:r>
+              <a:rPr lang="en-US" sz="1050" dirty="0"/>
+              <a:t> website: https://www.restapitutorial.com/lessons/httpmethods.html </a:t>
+            </a:r>
+            <a:endParaRPr lang="en-US" sz="1050" dirty="0" smtClean="0"/>
+          </a:p>
+          <a:p>
+            <a:pPr>
+              <a:lnSpc>
+                <a:spcPct val="100000"/>
+              </a:lnSpc>
+              <a:spcBef>
+                <a:spcPts val="0"/>
+              </a:spcBef>
+              <a:spcAft>
+                <a:spcPts val="0"/>
+              </a:spcAft>
+            </a:pPr>
+            <a:endParaRPr lang="en-US" sz="1050" dirty="0"/>
+          </a:p>
+          <a:p>
+            <a:pPr>
+              <a:lnSpc>
+                <a:spcPct val="100000"/>
+              </a:lnSpc>
+              <a:spcBef>
+                <a:spcPts val="0"/>
+              </a:spcBef>
+              <a:spcAft>
+                <a:spcPts val="0"/>
+              </a:spcAft>
+            </a:pPr>
+            <a:r>
+              <a:rPr lang="en-US" sz="1100" dirty="0" err="1"/>
+              <a:t>tutorialspoint</a:t>
+            </a:r>
+            <a:r>
+              <a:rPr lang="en-US" sz="1100" dirty="0"/>
+              <a:t>. (</a:t>
+            </a:r>
+            <a:r>
+              <a:rPr lang="en-US" sz="1100" dirty="0" err="1"/>
+              <a:t>n.d.</a:t>
+            </a:r>
+            <a:r>
+              <a:rPr lang="en-US" sz="1100" dirty="0"/>
+              <a:t>). RESTful Web Services - Statelessness. Retrieved October 16, 2019, from </a:t>
+            </a:r>
+          </a:p>
+          <a:p>
+            <a:pPr>
+              <a:lnSpc>
+                <a:spcPct val="100000"/>
+              </a:lnSpc>
+              <a:spcBef>
+                <a:spcPts val="0"/>
+              </a:spcBef>
+              <a:spcAft>
+                <a:spcPts val="0"/>
+              </a:spcAft>
+            </a:pPr>
+            <a:r>
+              <a:rPr lang="en-US" sz="1100" dirty="0"/>
+              <a:t>     </a:t>
+            </a:r>
+            <a:r>
+              <a:rPr lang="en-US" sz="1100" dirty="0" err="1"/>
+              <a:t>tutorialspoint</a:t>
+            </a:r>
+            <a:r>
+              <a:rPr lang="en-US" sz="1100" dirty="0"/>
+              <a:t> website: https://www.tutorialspoint.com/restful/restful_statelessness.htm </a:t>
+            </a:r>
+            <a:endParaRPr lang="en-US" sz="1100" dirty="0" smtClean="0"/>
+          </a:p>
+          <a:p>
+            <a:pPr>
+              <a:lnSpc>
+                <a:spcPct val="100000"/>
+              </a:lnSpc>
+              <a:spcBef>
+                <a:spcPts val="0"/>
+              </a:spcBef>
+              <a:spcAft>
+                <a:spcPts val="0"/>
+              </a:spcAft>
+            </a:pPr>
+            <a:endParaRPr lang="en-US" sz="1100" dirty="0"/>
+          </a:p>
+          <a:p>
+            <a:pPr>
+              <a:lnSpc>
+                <a:spcPct val="100000"/>
+              </a:lnSpc>
+              <a:spcBef>
+                <a:spcPts val="0"/>
+              </a:spcBef>
+              <a:spcAft>
+                <a:spcPts val="0"/>
+              </a:spcAft>
+            </a:pPr>
+            <a:r>
+              <a:rPr lang="en-US" sz="1100" dirty="0"/>
+              <a:t>Richardson, L., &amp; Amundsen, M. (2013). RESTful Web APIs. Sebastopol, CA: O'REILLY.</a:t>
+            </a:r>
+          </a:p>
+        </p:txBody>
+      </p:sp>
+    </p:spTree>
+    <p:extLst>
+      <p:ext uri="{BB962C8B-B14F-4D97-AF65-F5344CB8AC3E}">
+        <p14:creationId xmlns:p14="http://schemas.microsoft.com/office/powerpoint/2010/main" val="893025881"/>
+      </p:ext>
+    </p:extLst>
+  </p:cSld>
+  <p:clrMapOvr>
+    <a:masterClrMapping/>
+  </p:clrMapOvr>
+  <mc:AlternateContent xmlns:mc="http://schemas.openxmlformats.org/markup-compatibility/2006" xmlns:p15="http://schemas.microsoft.com/office/powerpoint/2012/main">
+    <mc:Choice Requires="p15">
+      <p:transition xmlns:p14="http://schemas.microsoft.com/office/powerpoint/2010/main" spd="slow" p14:dur="2000">
+        <p15:prstTrans prst="drape"/>
+      </p:transition>
+    </mc:Choice>
+    <mc:Fallback xmlns="">
+      <p:transition xmlns:p14="http://schemas.microsoft.com/office/powerpoint/2010/main" spd="slow">
+        <p:fade/>
+      </p:transition>
+    </mc:Fallback>
+  </mc:AlternateContent>
+</p:sld>
+</file>
+
 <file path=ppt/slides/slide2.xml><?xml version="1.0" encoding="utf-8"?>
 <p:sld xmlns:a="http://schemas.openxmlformats.org/drawingml/2006/main" xmlns:r="http://schemas.openxmlformats.org/officeDocument/2006/relationships" xmlns:p="http://schemas.openxmlformats.org/presentationml/2006/main">
   <p:cSld>
@@ -2529,8 +3016,8 @@
         </p:blipFill>
         <p:spPr>
           <a:xfrm>
-            <a:off x="4863314" y="1524708"/>
-            <a:ext cx="6875186" cy="4177909"/>
+            <a:off x="6823232" y="1524708"/>
+            <a:ext cx="4915268" cy="2986907"/>
           </a:xfrm>
           <a:prstGeom prst="rect">
             <a:avLst/>
@@ -2547,8 +3034,8 @@
         </p:nvSpPr>
         <p:spPr>
           <a:xfrm>
-            <a:off x="541610" y="1524708"/>
-            <a:ext cx="4321704" cy="3871518"/>
+            <a:off x="541609" y="1524708"/>
+            <a:ext cx="6290511" cy="3871518"/>
           </a:xfrm>
           <a:prstGeom prst="rect">
             <a:avLst/>
@@ -2785,7 +3272,29 @@
             </a:r>
             <a:r>
               <a:rPr lang="en-US" dirty="0"/>
-              <a:t>) in order to achieve its objectives, as opposed to creating new standards, frameworks and technologies.</a:t>
+              <a:t>) </a:t>
+            </a:r>
+            <a:endParaRPr lang="en-US" dirty="0" smtClean="0"/>
+          </a:p>
+          <a:p>
+            <a:pPr marL="0" lvl="0" indent="0">
+              <a:spcAft>
+                <a:spcPts val="600"/>
+              </a:spcAft>
+              <a:buNone/>
+              <a:defRPr/>
+            </a:pPr>
+            <a:r>
+              <a:rPr lang="en-US" dirty="0" smtClean="0"/>
+              <a:t>- </a:t>
+            </a:r>
+            <a:r>
+              <a:rPr lang="en-US" dirty="0" smtClean="0"/>
+              <a:t>This allows REST to achieve its </a:t>
+            </a:r>
+            <a:r>
+              <a:rPr lang="en-US" dirty="0"/>
+              <a:t>objectives, as opposed to creating new standards, frameworks and technologies.</a:t>
             </a:r>
           </a:p>
           <a:p>
@@ -2804,11 +3313,58 @@
               <a:rPr lang="en-US" dirty="0">
                 <a:hlinkClick r:id="rId4"/>
               </a:rPr>
-              <a:t>Roy Fielding</a:t>
+              <a:t>Roy </a:t>
+            </a:r>
+            <a:r>
+              <a:rPr lang="en-US" dirty="0" smtClean="0">
+                <a:hlinkClick r:id="rId4"/>
+              </a:rPr>
+              <a:t>Fielding</a:t>
+            </a:r>
+            <a:endParaRPr lang="en-US" dirty="0" smtClean="0"/>
+          </a:p>
+          <a:p>
+            <a:pPr lvl="0">
+              <a:spcAft>
+                <a:spcPts val="600"/>
+              </a:spcAft>
+              <a:buFontTx/>
+              <a:buChar char="-"/>
+              <a:defRPr/>
+            </a:pPr>
+            <a:r>
+              <a:rPr lang="en-US" dirty="0" smtClean="0"/>
+              <a:t>He is the </a:t>
+            </a:r>
+            <a:r>
+              <a:rPr lang="en-US" dirty="0" smtClean="0"/>
+              <a:t>father </a:t>
             </a:r>
             <a:r>
               <a:rPr lang="en-US" dirty="0"/>
-              <a:t>, father of the HTTP specification and one of the leading international authorities on everything to do with Network Architecture, in his dissertation entitled </a:t>
+              <a:t>of the HTTP specification and one of the leading international authorities on everything to do with Network </a:t>
+            </a:r>
+            <a:r>
+              <a:rPr lang="en-US" dirty="0" smtClean="0"/>
+              <a:t>Architecture</a:t>
+            </a:r>
+          </a:p>
+          <a:p>
+            <a:pPr lvl="0">
+              <a:spcAft>
+                <a:spcPts val="600"/>
+              </a:spcAft>
+              <a:buFontTx/>
+              <a:buChar char="-"/>
+              <a:defRPr/>
+            </a:pPr>
+            <a:r>
+              <a:rPr lang="en-US" dirty="0" smtClean="0"/>
+              <a:t>Roy has a dissertation </a:t>
+            </a:r>
+            <a:r>
+              <a:rPr lang="en-US" dirty="0"/>
+              <a:t>entitled </a:t>
             </a:r>
             <a:r>
               <a:rPr lang="en-US" dirty="0">
@@ -2878,14 +3434,15 @@
         <p:spPr/>
         <p:txBody>
           <a:bodyPr>
-            <a:normAutofit fontScale="90000"/>
+            <a:normAutofit/>
           </a:bodyPr>
           <a:lstStyle/>
           <a:p>
             <a:r>
               <a:rPr lang="en-US" dirty="0"/>
-              <a:t>The role REST plays in modern web applications</a:t>
-            </a:r>
+              <a:t>REST Cont’d</a:t>
+            </a:r>
+            <a:endParaRPr lang="en-US" dirty="0"/>
           </a:p>
         </p:txBody>
       </p:sp>
@@ -3113,42 +3670,117 @@
               <a:buChar char="-"/>
             </a:pPr>
             <a:r>
-              <a:rPr lang="en-US" dirty="0"/>
-              <a:t>REST is an architectural design pattern and not a communication protocol</a:t>
-            </a:r>
-          </a:p>
-          <a:p>
-            <a:pPr>
-              <a:spcAft>
-                <a:spcPts val="2000"/>
-              </a:spcAft>
-              <a:buFontTx/>
-              <a:buChar char="-"/>
-            </a:pPr>
-            <a:r>
-              <a:rPr lang="en-US" dirty="0">
+              <a:rPr lang="en-US" dirty="0" smtClean="0">
                 <a:latin typeface="Segoe UI" panose="020B0502040204020203" pitchFamily="34" charset="0"/>
                 <a:cs typeface="Segoe UI" panose="020B0502040204020203" pitchFamily="34" charset="0"/>
               </a:rPr>
-              <a:t>REST provides Separation of Concerns and Testability, where the</a:t>
+              <a:t>REST must have the </a:t>
             </a:r>
             <a:r>
               <a:rPr lang="en-US" dirty="0"/>
-              <a:t> service layer allows to test the application logic separate from how it is </a:t>
-            </a:r>
-            <a:r>
-              <a:rPr lang="en-US"/>
-              <a:t>being accessed</a:t>
-            </a:r>
-          </a:p>
-          <a:p>
-            <a:pPr>
+              <a:t>following five constraints must be present for any application to be considered </a:t>
+            </a:r>
+            <a:r>
+              <a:rPr lang="en-US" dirty="0" smtClean="0"/>
+              <a:t>RESTful</a:t>
+            </a:r>
+          </a:p>
+          <a:p>
+            <a:pPr lvl="1">
               <a:spcAft>
                 <a:spcPts val="2000"/>
               </a:spcAft>
               <a:buFontTx/>
               <a:buChar char="-"/>
             </a:pPr>
+            <a:r>
+              <a:rPr lang="en-US" b="1" dirty="0" smtClean="0"/>
+              <a:t>Client-server - </a:t>
+            </a:r>
+            <a:r>
+              <a:rPr lang="en-US" dirty="0"/>
+              <a:t>client-server architecture allows a clear separation of concerns</a:t>
+            </a:r>
+            <a:endParaRPr lang="en-US" b="1" dirty="0" smtClean="0"/>
+          </a:p>
+          <a:p>
+            <a:pPr lvl="1">
+              <a:spcAft>
+                <a:spcPts val="2000"/>
+              </a:spcAft>
+              <a:buFontTx/>
+              <a:buChar char="-"/>
+            </a:pPr>
+            <a:r>
+              <a:rPr lang="en-US" b="1" dirty="0" smtClean="0"/>
+              <a:t>Statelessness - </a:t>
+            </a:r>
+            <a:r>
+              <a:rPr lang="en-US" dirty="0"/>
+              <a:t>Communication between client and server is stateless</a:t>
+            </a:r>
+            <a:endParaRPr lang="en-US" b="1" dirty="0" smtClean="0"/>
+          </a:p>
+          <a:p>
+            <a:pPr lvl="1">
+              <a:spcAft>
+                <a:spcPts val="2000"/>
+              </a:spcAft>
+              <a:buFontTx/>
+              <a:buChar char="-"/>
+            </a:pPr>
+            <a:r>
+              <a:rPr lang="en-US" b="1" dirty="0" smtClean="0"/>
+              <a:t>Caching - </a:t>
+            </a:r>
+            <a:r>
+              <a:rPr lang="en-US" dirty="0"/>
+              <a:t> Stateless client-server communication can increase server load since some information may have to be transferred several times so requests that only retrieve data should be cache-able</a:t>
+            </a:r>
+            <a:endParaRPr lang="en-US" b="1" dirty="0" smtClean="0"/>
+          </a:p>
+          <a:p>
+            <a:pPr lvl="1">
+              <a:spcAft>
+                <a:spcPts val="2000"/>
+              </a:spcAft>
+              <a:buFontTx/>
+              <a:buChar char="-"/>
+            </a:pPr>
+            <a:r>
+              <a:rPr lang="en-US" b="1" dirty="0"/>
+              <a:t>Layered </a:t>
+            </a:r>
+            <a:r>
+              <a:rPr lang="en-US" b="1" dirty="0" smtClean="0"/>
+              <a:t>system - </a:t>
+            </a:r>
+            <a:r>
+              <a:rPr lang="en-US" dirty="0"/>
+              <a:t>a client can not necessarily tell if it is directly communicating with the server or an intermediate (proxy)</a:t>
+            </a:r>
+            <a:endParaRPr lang="en-US" b="1" dirty="0" smtClean="0"/>
+          </a:p>
+          <a:p>
+            <a:pPr lvl="1">
+              <a:spcAft>
+                <a:spcPts val="2000"/>
+              </a:spcAft>
+              <a:buFontTx/>
+              <a:buChar char="-"/>
+            </a:pPr>
+            <a:r>
+              <a:rPr lang="en-US" b="1" dirty="0"/>
+              <a:t>Uniform </a:t>
+            </a:r>
+            <a:r>
+              <a:rPr lang="en-US" b="1" dirty="0" smtClean="0"/>
+              <a:t>interface - </a:t>
+            </a:r>
+            <a:r>
+              <a:rPr lang="en-US" dirty="0"/>
+              <a:t>REST defines a set of well defined operations that can be executed on a resource. These will be discussed below</a:t>
+            </a:r>
             <a:endParaRPr lang="en-US" dirty="0">
               <a:latin typeface="Segoe UI" panose="020B0502040204020203" pitchFamily="34" charset="0"/>
               <a:cs typeface="Segoe UI" panose="020B0502040204020203" pitchFamily="34" charset="0"/>
@@ -3159,7 +3791,7 @@
     </p:spTree>
     <p:extLst>
       <p:ext uri="{BB962C8B-B14F-4D97-AF65-F5344CB8AC3E}">
-        <p14:creationId xmlns:p14="http://schemas.microsoft.com/office/powerpoint/2010/main" val="1107001750"/>
+        <p14:creationId xmlns:p14="http://schemas.microsoft.com/office/powerpoint/2010/main" val="1315785597"/>
       </p:ext>
     </p:extLst>
   </p:cSld>
@@ -3196,7 +3828,7 @@
       </p:grpSpPr>
       <p:sp>
         <p:nvSpPr>
-          <p:cNvPr id="10" name="Title 9"/>
+          <p:cNvPr id="4" name="Title 3"/>
           <p:cNvSpPr>
             <a:spLocks noGrp="1"/>
           </p:cNvSpPr>
@@ -3212,82 +3844,361 @@
           <a:lstStyle/>
           <a:p>
             <a:r>
-              <a:rPr lang="en-US" dirty="0">
-                <a:latin typeface="Segoe UI Light" panose="020B0502040204020203" pitchFamily="34" charset="0"/>
-                <a:cs typeface="Segoe UI Light" panose="020B0502040204020203" pitchFamily="34" charset="0"/>
-              </a:rPr>
-              <a:t>References</a:t>
-            </a:r>
+              <a:rPr lang="en-US" dirty="0"/>
+              <a:t>REST Cont’d</a:t>
+            </a:r>
+            <a:endParaRPr lang="en-US" dirty="0"/>
           </a:p>
         </p:txBody>
       </p:sp>
       <p:sp>
         <p:nvSpPr>
-          <p:cNvPr id="5" name="Content Placeholder 4"/>
-          <p:cNvSpPr>
-            <a:spLocks noGrp="1"/>
+          <p:cNvPr id="25" name="Content Placeholder 17"/>
+          <p:cNvSpPr txBox="1">
+            <a:spLocks/>
           </p:cNvSpPr>
-          <p:nvPr>
-            <p:ph sz="half" idx="4294967295"/>
-          </p:nvPr>
+          <p:nvPr/>
         </p:nvSpPr>
         <p:spPr>
           <a:xfrm>
-            <a:off x="541611" y="2614427"/>
-            <a:ext cx="9442648" cy="3978275"/>
+            <a:off x="541609" y="1455491"/>
+            <a:ext cx="9374748" cy="4607958"/>
           </a:xfrm>
+          <a:prstGeom prst="rect">
+            <a:avLst/>
+          </a:prstGeom>
         </p:spPr>
         <p:txBody>
-          <a:bodyPr>
+          <a:bodyPr vert="horz" lIns="91440" tIns="45720" rIns="91440" bIns="45720" rtlCol="0">
             <a:normAutofit/>
           </a:bodyPr>
-          <a:lstStyle/>
+          <a:lstStyle>
+            <a:lvl1pPr marL="228600" indent="-228600" algn="l" defTabSz="914400" rtl="0" eaLnBrk="1" latinLnBrk="0" hangingPunct="1">
+              <a:lnSpc>
+                <a:spcPts val="1800"/>
+              </a:lnSpc>
+              <a:spcBef>
+                <a:spcPts val="1000"/>
+              </a:spcBef>
+              <a:spcAft>
+                <a:spcPts val="1000"/>
+              </a:spcAft>
+              <a:buFont typeface="Arial" panose="020B0604020202020204" pitchFamily="34" charset="0"/>
+              <a:buChar char="•"/>
+              <a:defRPr lang="en-US" sz="1200" kern="1200" smtClean="0">
+                <a:solidFill>
+                  <a:schemeClr val="tx1">
+                    <a:lumMod val="75000"/>
+                    <a:lumOff val="25000"/>
+                  </a:schemeClr>
+                </a:solidFill>
+                <a:latin typeface="+mn-lt"/>
+                <a:ea typeface="+mn-ea"/>
+                <a:cs typeface="+mn-cs"/>
+              </a:defRPr>
+            </a:lvl1pPr>
+            <a:lvl2pPr marL="685800" indent="-228600" algn="l" defTabSz="914400" rtl="0" eaLnBrk="1" latinLnBrk="0" hangingPunct="1">
+              <a:lnSpc>
+                <a:spcPts val="1800"/>
+              </a:lnSpc>
+              <a:spcBef>
+                <a:spcPts val="1000"/>
+              </a:spcBef>
+              <a:spcAft>
+                <a:spcPts val="1000"/>
+              </a:spcAft>
+              <a:buFont typeface="Arial" panose="020B0604020202020204" pitchFamily="34" charset="0"/>
+              <a:buChar char="•"/>
+              <a:defRPr lang="en-US" sz="1200" kern="1200" smtClean="0">
+                <a:solidFill>
+                  <a:schemeClr val="tx1">
+                    <a:lumMod val="75000"/>
+                    <a:lumOff val="25000"/>
+                  </a:schemeClr>
+                </a:solidFill>
+                <a:latin typeface="+mn-lt"/>
+                <a:ea typeface="+mn-ea"/>
+                <a:cs typeface="+mn-cs"/>
+              </a:defRPr>
+            </a:lvl2pPr>
+            <a:lvl3pPr marL="1143000" indent="-228600" algn="l" defTabSz="914400" rtl="0" eaLnBrk="1" latinLnBrk="0" hangingPunct="1">
+              <a:lnSpc>
+                <a:spcPts val="1800"/>
+              </a:lnSpc>
+              <a:spcBef>
+                <a:spcPts val="1000"/>
+              </a:spcBef>
+              <a:spcAft>
+                <a:spcPts val="1000"/>
+              </a:spcAft>
+              <a:buFont typeface="Arial" panose="020B0604020202020204" pitchFamily="34" charset="0"/>
+              <a:buChar char="•"/>
+              <a:defRPr lang="en-US" sz="1200" kern="1200" smtClean="0">
+                <a:solidFill>
+                  <a:schemeClr val="tx1">
+                    <a:lumMod val="75000"/>
+                    <a:lumOff val="25000"/>
+                  </a:schemeClr>
+                </a:solidFill>
+                <a:latin typeface="+mn-lt"/>
+                <a:ea typeface="+mn-ea"/>
+                <a:cs typeface="+mn-cs"/>
+              </a:defRPr>
+            </a:lvl3pPr>
+            <a:lvl4pPr marL="1600200" indent="-228600" algn="l" defTabSz="914400" rtl="0" eaLnBrk="1" latinLnBrk="0" hangingPunct="1">
+              <a:lnSpc>
+                <a:spcPts val="1800"/>
+              </a:lnSpc>
+              <a:spcBef>
+                <a:spcPts val="1000"/>
+              </a:spcBef>
+              <a:spcAft>
+                <a:spcPts val="1000"/>
+              </a:spcAft>
+              <a:buFont typeface="Arial" panose="020B0604020202020204" pitchFamily="34" charset="0"/>
+              <a:buChar char="•"/>
+              <a:defRPr lang="en-US" sz="1200" kern="1200" smtClean="0">
+                <a:solidFill>
+                  <a:schemeClr val="tx1">
+                    <a:lumMod val="75000"/>
+                    <a:lumOff val="25000"/>
+                  </a:schemeClr>
+                </a:solidFill>
+                <a:latin typeface="+mn-lt"/>
+                <a:ea typeface="+mn-ea"/>
+                <a:cs typeface="+mn-cs"/>
+              </a:defRPr>
+            </a:lvl4pPr>
+            <a:lvl5pPr marL="2057400" indent="-228600" algn="l" defTabSz="914400" rtl="0" eaLnBrk="1" latinLnBrk="0" hangingPunct="1">
+              <a:lnSpc>
+                <a:spcPts val="1800"/>
+              </a:lnSpc>
+              <a:spcBef>
+                <a:spcPts val="1000"/>
+              </a:spcBef>
+              <a:spcAft>
+                <a:spcPts val="1000"/>
+              </a:spcAft>
+              <a:buFont typeface="Arial" panose="020B0604020202020204" pitchFamily="34" charset="0"/>
+              <a:buChar char="•"/>
+              <a:defRPr lang="en-US" sz="1200" kern="1200">
+                <a:solidFill>
+                  <a:schemeClr val="tx1">
+                    <a:lumMod val="75000"/>
+                    <a:lumOff val="25000"/>
+                  </a:schemeClr>
+                </a:solidFill>
+                <a:latin typeface="+mn-lt"/>
+                <a:ea typeface="+mn-ea"/>
+                <a:cs typeface="+mn-cs"/>
+              </a:defRPr>
+            </a:lvl5pPr>
+            <a:lvl6pPr marL="2514600" indent="-228600" algn="l" defTabSz="914400" rtl="0" eaLnBrk="1" latinLnBrk="0" hangingPunct="1">
+              <a:lnSpc>
+                <a:spcPct val="90000"/>
+              </a:lnSpc>
+              <a:spcBef>
+                <a:spcPct val="30000"/>
+              </a:spcBef>
+              <a:buFont typeface="Arial" panose="020B0604020202020204" pitchFamily="34" charset="0"/>
+              <a:buChar char="•"/>
+              <a:defRPr sz="1800" kern="1200">
+                <a:solidFill>
+                  <a:schemeClr val="tx1"/>
+                </a:solidFill>
+                <a:latin typeface="+mn-lt"/>
+                <a:ea typeface="+mn-ea"/>
+                <a:cs typeface="+mn-cs"/>
+              </a:defRPr>
+            </a:lvl6pPr>
+            <a:lvl7pPr marL="2971800" indent="-228600" algn="l" defTabSz="914400" rtl="0" eaLnBrk="1" latinLnBrk="0" hangingPunct="1">
+              <a:lnSpc>
+                <a:spcPct val="90000"/>
+              </a:lnSpc>
+              <a:spcBef>
+                <a:spcPct val="30000"/>
+              </a:spcBef>
+              <a:buFont typeface="Arial" panose="020B0604020202020204" pitchFamily="34" charset="0"/>
+              <a:buChar char="•"/>
+              <a:defRPr sz="1800" kern="1200">
+                <a:solidFill>
+                  <a:schemeClr val="tx1"/>
+                </a:solidFill>
+                <a:latin typeface="+mn-lt"/>
+                <a:ea typeface="+mn-ea"/>
+                <a:cs typeface="+mn-cs"/>
+              </a:defRPr>
+            </a:lvl7pPr>
+            <a:lvl8pPr marL="3429000" indent="-228600" algn="l" defTabSz="914400" rtl="0" eaLnBrk="1" latinLnBrk="0" hangingPunct="1">
+              <a:lnSpc>
+                <a:spcPct val="90000"/>
+              </a:lnSpc>
+              <a:spcBef>
+                <a:spcPct val="30000"/>
+              </a:spcBef>
+              <a:buFont typeface="Arial" panose="020B0604020202020204" pitchFamily="34" charset="0"/>
+              <a:buChar char="•"/>
+              <a:defRPr sz="1800" kern="1200">
+                <a:solidFill>
+                  <a:schemeClr val="tx1"/>
+                </a:solidFill>
+                <a:latin typeface="+mn-lt"/>
+                <a:ea typeface="+mn-ea"/>
+                <a:cs typeface="+mn-cs"/>
+              </a:defRPr>
+            </a:lvl8pPr>
+            <a:lvl9pPr marL="3886200" indent="-228600" algn="l" defTabSz="914400" rtl="0" eaLnBrk="1" latinLnBrk="0" hangingPunct="1">
+              <a:lnSpc>
+                <a:spcPct val="90000"/>
+              </a:lnSpc>
+              <a:spcBef>
+                <a:spcPct val="30000"/>
+              </a:spcBef>
+              <a:buFont typeface="Arial" panose="020B0604020202020204" pitchFamily="34" charset="0"/>
+              <a:buChar char="•"/>
+              <a:defRPr sz="1800" kern="1200">
+                <a:solidFill>
+                  <a:schemeClr val="tx1"/>
+                </a:solidFill>
+                <a:latin typeface="+mn-lt"/>
+                <a:ea typeface="+mn-ea"/>
+                <a:cs typeface="+mn-cs"/>
+              </a:defRPr>
+            </a:lvl9pPr>
+          </a:lstStyle>
           <a:p>
             <a:pPr>
-              <a:lnSpc>
-                <a:spcPts val="3600"/>
-              </a:lnSpc>
-              <a:spcAft>
-                <a:spcPts val="0"/>
-              </a:spcAft>
-            </a:pPr>
-            <a:r>
-              <a:rPr lang="en-US" sz="2000" dirty="0">
-                <a:hlinkClick r:id="rId3"/>
+              <a:spcAft>
+                <a:spcPts val="2000"/>
+              </a:spcAft>
+              <a:buFontTx/>
+              <a:buChar char="-"/>
+            </a:pPr>
+            <a:r>
+              <a:rPr lang="en-US" dirty="0"/>
+              <a:t>RESTful Web Service should not keep a client state on the </a:t>
+            </a:r>
+            <a:r>
+              <a:rPr lang="en-US" dirty="0" smtClean="0"/>
+              <a:t>server</a:t>
+            </a:r>
+          </a:p>
+          <a:p>
+            <a:pPr>
+              <a:spcAft>
+                <a:spcPts val="2000"/>
+              </a:spcAft>
+              <a:buFontTx/>
+              <a:buChar char="-"/>
+            </a:pPr>
+            <a:r>
+              <a:rPr lang="en-US" dirty="0"/>
+              <a:t>This restriction is called </a:t>
+            </a:r>
+            <a:r>
+              <a:rPr lang="en-US" dirty="0" smtClean="0"/>
+              <a:t>Statelessness</a:t>
+            </a:r>
+          </a:p>
+          <a:p>
+            <a:pPr>
+              <a:spcAft>
+                <a:spcPts val="2000"/>
+              </a:spcAft>
+              <a:buFontTx/>
+              <a:buChar char="-"/>
+            </a:pPr>
+            <a:r>
+              <a:rPr lang="en-US" dirty="0"/>
+              <a:t>It is the responsibility of the client to pass its context to the server and then the server can store this context to process the client's further </a:t>
+            </a:r>
+            <a:r>
+              <a:rPr lang="en-US" dirty="0" smtClean="0"/>
+              <a:t>request</a:t>
+            </a:r>
+          </a:p>
+          <a:p>
+            <a:pPr>
+              <a:spcAft>
+                <a:spcPts val="2000"/>
+              </a:spcAft>
+              <a:buFontTx/>
+              <a:buChar char="-"/>
+            </a:pPr>
+            <a:r>
+              <a:rPr lang="en-US" dirty="0"/>
+              <a:t>Web services can treat each method request </a:t>
+            </a:r>
+            <a:r>
+              <a:rPr lang="en-US" dirty="0" smtClean="0"/>
+              <a:t>independently</a:t>
+            </a:r>
+          </a:p>
+          <a:p>
+            <a:pPr>
+              <a:spcAft>
+                <a:spcPts val="2000"/>
+              </a:spcAft>
+              <a:buFontTx/>
+              <a:buChar char="-"/>
+            </a:pPr>
+            <a:r>
+              <a:rPr lang="en-US" dirty="0"/>
+              <a:t>Web services need not maintain the client's previous interactions. It simplifies the application </a:t>
+            </a:r>
+            <a:r>
+              <a:rPr lang="en-US" dirty="0" smtClean="0"/>
+              <a:t>design</a:t>
+            </a:r>
+          </a:p>
+          <a:p>
+            <a:pPr>
+              <a:spcAft>
+                <a:spcPts val="2000"/>
+              </a:spcAft>
+              <a:buFontTx/>
+              <a:buChar char="-"/>
+            </a:pPr>
+            <a:r>
+              <a:rPr lang="en-US" dirty="0"/>
+              <a:t>As HTTP is itself a statelessness protocol, RESTful Web Services work seamlessly with the HTTP </a:t>
+            </a:r>
+            <a:r>
+              <a:rPr lang="en-US" dirty="0" smtClean="0"/>
+              <a:t>protocols</a:t>
+            </a:r>
+            <a:endParaRPr lang="en-US" dirty="0"/>
+          </a:p>
+          <a:p>
+            <a:pPr>
+              <a:spcAft>
+                <a:spcPts val="2000"/>
+              </a:spcAft>
+              <a:buFontTx/>
+              <a:buChar char="-"/>
+            </a:pPr>
+            <a:r>
+              <a:rPr lang="en-US" dirty="0" smtClean="0">
+                <a:latin typeface="Segoe UI" panose="020B0502040204020203" pitchFamily="34" charset="0"/>
+                <a:cs typeface="Segoe UI" panose="020B0502040204020203" pitchFamily="34" charset="0"/>
               </a:rPr>
-              <a:t>https://searchapparchitecture.techtarget.com/definition/REST-REpresentational-State-Transfer</a:t>
-            </a:r>
-            <a:endParaRPr lang="en-US" sz="2000" dirty="0"/>
-          </a:p>
-          <a:p>
-            <a:pPr>
-              <a:lnSpc>
-                <a:spcPts val="3600"/>
-              </a:lnSpc>
-              <a:spcAft>
-                <a:spcPts val="0"/>
-              </a:spcAft>
-            </a:pPr>
-            <a:r>
-              <a:rPr lang="en-US" sz="2000" dirty="0">
-                <a:hlinkClick r:id="rId4"/>
-              </a:rPr>
-              <a:t>https://blog.feathersjs.com/design-patterns-for-modern-web-apis-1f046635215</a:t>
-            </a:r>
-            <a:endParaRPr lang="en-US" sz="2000" dirty="0"/>
-          </a:p>
-          <a:p>
-            <a:pPr>
-              <a:lnSpc>
-                <a:spcPts val="3600"/>
-              </a:lnSpc>
-              <a:spcAft>
-                <a:spcPts val="0"/>
-              </a:spcAft>
-            </a:pPr>
-            <a:endParaRPr lang="en-US" sz="2000" dirty="0">
-              <a:latin typeface="Segoe UI Light" panose="020B0502040204020203" pitchFamily="34" charset="0"/>
-              <a:cs typeface="Segoe UI Light" panose="020B0502040204020203" pitchFamily="34" charset="0"/>
+              <a:t>A disadvantage is that </a:t>
+            </a:r>
+            <a:r>
+              <a:rPr lang="en-US" dirty="0" smtClean="0"/>
+              <a:t>w</a:t>
+            </a:r>
+            <a:r>
+              <a:rPr lang="en-US" dirty="0" smtClean="0"/>
+              <a:t>eb </a:t>
+            </a:r>
+            <a:r>
+              <a:rPr lang="en-US" dirty="0"/>
+              <a:t>services need to get extra information in each request and then interpret to get the client's state in case the client interactions are to be taken care of</a:t>
+            </a:r>
+            <a:endParaRPr lang="en-US" dirty="0">
+              <a:latin typeface="Segoe UI" panose="020B0502040204020203" pitchFamily="34" charset="0"/>
+              <a:cs typeface="Segoe UI" panose="020B0502040204020203" pitchFamily="34" charset="0"/>
             </a:endParaRPr>
           </a:p>
         </p:txBody>
@@ -3295,23 +4206,1977 @@
     </p:spTree>
     <p:extLst>
       <p:ext uri="{BB962C8B-B14F-4D97-AF65-F5344CB8AC3E}">
-        <p14:creationId xmlns:p14="http://schemas.microsoft.com/office/powerpoint/2010/main" val="893025881"/>
+        <p14:creationId xmlns:p14="http://schemas.microsoft.com/office/powerpoint/2010/main" val="2625325639"/>
       </p:ext>
     </p:extLst>
   </p:cSld>
   <p:clrMapOvr>
     <a:masterClrMapping/>
   </p:clrMapOvr>
-  <mc:AlternateContent xmlns:mc="http://schemas.openxmlformats.org/markup-compatibility/2006" xmlns:p15="http://schemas.microsoft.com/office/powerpoint/2012/main">
-    <mc:Choice Requires="p15">
-      <p:transition xmlns:p14="http://schemas.microsoft.com/office/powerpoint/2010/main" spd="slow" p14:dur="2000">
-        <p15:prstTrans prst="drape"/>
-      </p:transition>
+  <mc:AlternateContent xmlns:mc="http://schemas.openxmlformats.org/markup-compatibility/2006" xmlns:p14="http://schemas.microsoft.com/office/powerpoint/2010/main">
+    <mc:Choice Requires="p14">
+      <p:transition p14:dur="10"/>
     </mc:Choice>
     <mc:Fallback xmlns="">
-      <p:transition xmlns:p14="http://schemas.microsoft.com/office/powerpoint/2010/main" spd="slow">
-        <p:fade/>
-      </p:transition>
+      <p:transition/>
+    </mc:Fallback>
+  </mc:AlternateContent>
+</p:sld>
+</file>
+
+<file path=ppt/slides/slide5.xml><?xml version="1.0" encoding="utf-8"?>
+<p:sld xmlns:a="http://schemas.openxmlformats.org/drawingml/2006/main" xmlns:r="http://schemas.openxmlformats.org/officeDocument/2006/relationships" xmlns:p="http://schemas.openxmlformats.org/presentationml/2006/main">
+  <p:cSld>
+    <p:spTree>
+      <p:nvGrpSpPr>
+        <p:cNvPr id="1" name=""/>
+        <p:cNvGrpSpPr/>
+        <p:nvPr/>
+      </p:nvGrpSpPr>
+      <p:grpSpPr>
+        <a:xfrm>
+          <a:off x="0" y="0"/>
+          <a:ext cx="0" cy="0"/>
+          <a:chOff x="0" y="0"/>
+          <a:chExt cx="0" cy="0"/>
+        </a:xfrm>
+      </p:grpSpPr>
+      <p:sp>
+        <p:nvSpPr>
+          <p:cNvPr id="4" name="Title 3"/>
+          <p:cNvSpPr>
+            <a:spLocks noGrp="1"/>
+          </p:cNvSpPr>
+          <p:nvPr>
+            <p:ph type="title"/>
+          </p:nvPr>
+        </p:nvSpPr>
+        <p:spPr/>
+        <p:txBody>
+          <a:bodyPr>
+            <a:normAutofit/>
+          </a:bodyPr>
+          <a:lstStyle/>
+          <a:p>
+            <a:r>
+              <a:rPr lang="en-US" dirty="0" smtClean="0"/>
+              <a:t>REST Cont’d</a:t>
+            </a:r>
+            <a:endParaRPr lang="en-US" dirty="0"/>
+          </a:p>
+        </p:txBody>
+      </p:sp>
+      <p:sp>
+        <p:nvSpPr>
+          <p:cNvPr id="25" name="Content Placeholder 17"/>
+          <p:cNvSpPr txBox="1">
+            <a:spLocks/>
+          </p:cNvSpPr>
+          <p:nvPr/>
+        </p:nvSpPr>
+        <p:spPr>
+          <a:xfrm>
+            <a:off x="541609" y="1455491"/>
+            <a:ext cx="9374748" cy="4607958"/>
+          </a:xfrm>
+          <a:prstGeom prst="rect">
+            <a:avLst/>
+          </a:prstGeom>
+        </p:spPr>
+        <p:txBody>
+          <a:bodyPr vert="horz" lIns="91440" tIns="45720" rIns="91440" bIns="45720" rtlCol="0">
+            <a:normAutofit/>
+          </a:bodyPr>
+          <a:lstStyle>
+            <a:lvl1pPr marL="228600" indent="-228600" algn="l" defTabSz="914400" rtl="0" eaLnBrk="1" latinLnBrk="0" hangingPunct="1">
+              <a:lnSpc>
+                <a:spcPts val="1800"/>
+              </a:lnSpc>
+              <a:spcBef>
+                <a:spcPts val="1000"/>
+              </a:spcBef>
+              <a:spcAft>
+                <a:spcPts val="1000"/>
+              </a:spcAft>
+              <a:buFont typeface="Arial" panose="020B0604020202020204" pitchFamily="34" charset="0"/>
+              <a:buChar char="•"/>
+              <a:defRPr lang="en-US" sz="1200" kern="1200" smtClean="0">
+                <a:solidFill>
+                  <a:schemeClr val="tx1">
+                    <a:lumMod val="75000"/>
+                    <a:lumOff val="25000"/>
+                  </a:schemeClr>
+                </a:solidFill>
+                <a:latin typeface="+mn-lt"/>
+                <a:ea typeface="+mn-ea"/>
+                <a:cs typeface="+mn-cs"/>
+              </a:defRPr>
+            </a:lvl1pPr>
+            <a:lvl2pPr marL="685800" indent="-228600" algn="l" defTabSz="914400" rtl="0" eaLnBrk="1" latinLnBrk="0" hangingPunct="1">
+              <a:lnSpc>
+                <a:spcPts val="1800"/>
+              </a:lnSpc>
+              <a:spcBef>
+                <a:spcPts val="1000"/>
+              </a:spcBef>
+              <a:spcAft>
+                <a:spcPts val="1000"/>
+              </a:spcAft>
+              <a:buFont typeface="Arial" panose="020B0604020202020204" pitchFamily="34" charset="0"/>
+              <a:buChar char="•"/>
+              <a:defRPr lang="en-US" sz="1200" kern="1200" smtClean="0">
+                <a:solidFill>
+                  <a:schemeClr val="tx1">
+                    <a:lumMod val="75000"/>
+                    <a:lumOff val="25000"/>
+                  </a:schemeClr>
+                </a:solidFill>
+                <a:latin typeface="+mn-lt"/>
+                <a:ea typeface="+mn-ea"/>
+                <a:cs typeface="+mn-cs"/>
+              </a:defRPr>
+            </a:lvl2pPr>
+            <a:lvl3pPr marL="1143000" indent="-228600" algn="l" defTabSz="914400" rtl="0" eaLnBrk="1" latinLnBrk="0" hangingPunct="1">
+              <a:lnSpc>
+                <a:spcPts val="1800"/>
+              </a:lnSpc>
+              <a:spcBef>
+                <a:spcPts val="1000"/>
+              </a:spcBef>
+              <a:spcAft>
+                <a:spcPts val="1000"/>
+              </a:spcAft>
+              <a:buFont typeface="Arial" panose="020B0604020202020204" pitchFamily="34" charset="0"/>
+              <a:buChar char="•"/>
+              <a:defRPr lang="en-US" sz="1200" kern="1200" smtClean="0">
+                <a:solidFill>
+                  <a:schemeClr val="tx1">
+                    <a:lumMod val="75000"/>
+                    <a:lumOff val="25000"/>
+                  </a:schemeClr>
+                </a:solidFill>
+                <a:latin typeface="+mn-lt"/>
+                <a:ea typeface="+mn-ea"/>
+                <a:cs typeface="+mn-cs"/>
+              </a:defRPr>
+            </a:lvl3pPr>
+            <a:lvl4pPr marL="1600200" indent="-228600" algn="l" defTabSz="914400" rtl="0" eaLnBrk="1" latinLnBrk="0" hangingPunct="1">
+              <a:lnSpc>
+                <a:spcPts val="1800"/>
+              </a:lnSpc>
+              <a:spcBef>
+                <a:spcPts val="1000"/>
+              </a:spcBef>
+              <a:spcAft>
+                <a:spcPts val="1000"/>
+              </a:spcAft>
+              <a:buFont typeface="Arial" panose="020B0604020202020204" pitchFamily="34" charset="0"/>
+              <a:buChar char="•"/>
+              <a:defRPr lang="en-US" sz="1200" kern="1200" smtClean="0">
+                <a:solidFill>
+                  <a:schemeClr val="tx1">
+                    <a:lumMod val="75000"/>
+                    <a:lumOff val="25000"/>
+                  </a:schemeClr>
+                </a:solidFill>
+                <a:latin typeface="+mn-lt"/>
+                <a:ea typeface="+mn-ea"/>
+                <a:cs typeface="+mn-cs"/>
+              </a:defRPr>
+            </a:lvl4pPr>
+            <a:lvl5pPr marL="2057400" indent="-228600" algn="l" defTabSz="914400" rtl="0" eaLnBrk="1" latinLnBrk="0" hangingPunct="1">
+              <a:lnSpc>
+                <a:spcPts val="1800"/>
+              </a:lnSpc>
+              <a:spcBef>
+                <a:spcPts val="1000"/>
+              </a:spcBef>
+              <a:spcAft>
+                <a:spcPts val="1000"/>
+              </a:spcAft>
+              <a:buFont typeface="Arial" panose="020B0604020202020204" pitchFamily="34" charset="0"/>
+              <a:buChar char="•"/>
+              <a:defRPr lang="en-US" sz="1200" kern="1200">
+                <a:solidFill>
+                  <a:schemeClr val="tx1">
+                    <a:lumMod val="75000"/>
+                    <a:lumOff val="25000"/>
+                  </a:schemeClr>
+                </a:solidFill>
+                <a:latin typeface="+mn-lt"/>
+                <a:ea typeface="+mn-ea"/>
+                <a:cs typeface="+mn-cs"/>
+              </a:defRPr>
+            </a:lvl5pPr>
+            <a:lvl6pPr marL="2514600" indent="-228600" algn="l" defTabSz="914400" rtl="0" eaLnBrk="1" latinLnBrk="0" hangingPunct="1">
+              <a:lnSpc>
+                <a:spcPct val="90000"/>
+              </a:lnSpc>
+              <a:spcBef>
+                <a:spcPct val="30000"/>
+              </a:spcBef>
+              <a:buFont typeface="Arial" panose="020B0604020202020204" pitchFamily="34" charset="0"/>
+              <a:buChar char="•"/>
+              <a:defRPr sz="1800" kern="1200">
+                <a:solidFill>
+                  <a:schemeClr val="tx1"/>
+                </a:solidFill>
+                <a:latin typeface="+mn-lt"/>
+                <a:ea typeface="+mn-ea"/>
+                <a:cs typeface="+mn-cs"/>
+              </a:defRPr>
+            </a:lvl6pPr>
+            <a:lvl7pPr marL="2971800" indent="-228600" algn="l" defTabSz="914400" rtl="0" eaLnBrk="1" latinLnBrk="0" hangingPunct="1">
+              <a:lnSpc>
+                <a:spcPct val="90000"/>
+              </a:lnSpc>
+              <a:spcBef>
+                <a:spcPct val="30000"/>
+              </a:spcBef>
+              <a:buFont typeface="Arial" panose="020B0604020202020204" pitchFamily="34" charset="0"/>
+              <a:buChar char="•"/>
+              <a:defRPr sz="1800" kern="1200">
+                <a:solidFill>
+                  <a:schemeClr val="tx1"/>
+                </a:solidFill>
+                <a:latin typeface="+mn-lt"/>
+                <a:ea typeface="+mn-ea"/>
+                <a:cs typeface="+mn-cs"/>
+              </a:defRPr>
+            </a:lvl7pPr>
+            <a:lvl8pPr marL="3429000" indent="-228600" algn="l" defTabSz="914400" rtl="0" eaLnBrk="1" latinLnBrk="0" hangingPunct="1">
+              <a:lnSpc>
+                <a:spcPct val="90000"/>
+              </a:lnSpc>
+              <a:spcBef>
+                <a:spcPct val="30000"/>
+              </a:spcBef>
+              <a:buFont typeface="Arial" panose="020B0604020202020204" pitchFamily="34" charset="0"/>
+              <a:buChar char="•"/>
+              <a:defRPr sz="1800" kern="1200">
+                <a:solidFill>
+                  <a:schemeClr val="tx1"/>
+                </a:solidFill>
+                <a:latin typeface="+mn-lt"/>
+                <a:ea typeface="+mn-ea"/>
+                <a:cs typeface="+mn-cs"/>
+              </a:defRPr>
+            </a:lvl8pPr>
+            <a:lvl9pPr marL="3886200" indent="-228600" algn="l" defTabSz="914400" rtl="0" eaLnBrk="1" latinLnBrk="0" hangingPunct="1">
+              <a:lnSpc>
+                <a:spcPct val="90000"/>
+              </a:lnSpc>
+              <a:spcBef>
+                <a:spcPct val="30000"/>
+              </a:spcBef>
+              <a:buFont typeface="Arial" panose="020B0604020202020204" pitchFamily="34" charset="0"/>
+              <a:buChar char="•"/>
+              <a:defRPr sz="1800" kern="1200">
+                <a:solidFill>
+                  <a:schemeClr val="tx1"/>
+                </a:solidFill>
+                <a:latin typeface="+mn-lt"/>
+                <a:ea typeface="+mn-ea"/>
+                <a:cs typeface="+mn-cs"/>
+              </a:defRPr>
+            </a:lvl9pPr>
+          </a:lstStyle>
+          <a:p>
+            <a:pPr>
+              <a:spcAft>
+                <a:spcPts val="2000"/>
+              </a:spcAft>
+              <a:buFontTx/>
+              <a:buChar char="-"/>
+            </a:pPr>
+            <a:r>
+              <a:rPr lang="en-US" dirty="0" smtClean="0"/>
+              <a:t>REST is an architectural design pattern and not a communication protocol</a:t>
+            </a:r>
+          </a:p>
+          <a:p>
+            <a:pPr>
+              <a:spcAft>
+                <a:spcPts val="2000"/>
+              </a:spcAft>
+              <a:buFontTx/>
+              <a:buChar char="-"/>
+            </a:pPr>
+            <a:r>
+              <a:rPr lang="en-US" dirty="0" smtClean="0">
+                <a:latin typeface="Segoe UI" panose="020B0502040204020203" pitchFamily="34" charset="0"/>
+                <a:cs typeface="Segoe UI" panose="020B0502040204020203" pitchFamily="34" charset="0"/>
+              </a:rPr>
+              <a:t>REST provides Separation of Concerns and Testability, where the</a:t>
+            </a:r>
+            <a:r>
+              <a:rPr lang="en-US" dirty="0" smtClean="0"/>
+              <a:t> service layer allows to test the application logic separate from how it is being accessed</a:t>
+            </a:r>
+          </a:p>
+          <a:p>
+            <a:pPr>
+              <a:spcAft>
+                <a:spcPts val="2000"/>
+              </a:spcAft>
+              <a:buFontTx/>
+              <a:buChar char="-"/>
+            </a:pPr>
+            <a:r>
+              <a:rPr lang="en-US" dirty="0" smtClean="0"/>
+              <a:t>HTTP sessions are short so the server doesn’t know anything about a clients application state</a:t>
+            </a:r>
+          </a:p>
+          <a:p>
+            <a:pPr>
+              <a:spcAft>
+                <a:spcPts val="2000"/>
+              </a:spcAft>
+              <a:buFontTx/>
+              <a:buChar char="-"/>
+            </a:pPr>
+            <a:r>
+              <a:rPr lang="en-US" dirty="0" smtClean="0"/>
+              <a:t>Application state is kept on the client, but the server can manipulate it by sending representations that describe the possible state transitions </a:t>
+            </a:r>
+          </a:p>
+          <a:p>
+            <a:pPr>
+              <a:spcAft>
+                <a:spcPts val="2000"/>
+              </a:spcAft>
+              <a:buFontTx/>
+              <a:buChar char="-"/>
+            </a:pPr>
+            <a:r>
+              <a:rPr lang="en-US" dirty="0" smtClean="0"/>
+              <a:t>Resource state is kept and recorded on the server, the client state does not know about resource state</a:t>
+            </a:r>
+          </a:p>
+          <a:p>
+            <a:pPr>
+              <a:spcAft>
+                <a:spcPts val="2000"/>
+              </a:spcAft>
+              <a:buFontTx/>
+              <a:buChar char="-"/>
+            </a:pPr>
+            <a:r>
+              <a:rPr lang="en-US" dirty="0" smtClean="0"/>
+              <a:t>Resource state is affected when the page state has changed by having data </a:t>
+            </a:r>
+            <a:r>
+              <a:rPr lang="en-US" dirty="0" err="1" smtClean="0"/>
+              <a:t>POSTed</a:t>
+            </a:r>
+            <a:endParaRPr lang="en-US" dirty="0" smtClean="0"/>
+          </a:p>
+          <a:p>
+            <a:pPr>
+              <a:spcAft>
+                <a:spcPts val="2000"/>
+              </a:spcAft>
+              <a:buFontTx/>
+              <a:buChar char="-"/>
+            </a:pPr>
+            <a:endParaRPr lang="en-US" dirty="0"/>
+          </a:p>
+          <a:p>
+            <a:pPr>
+              <a:spcAft>
+                <a:spcPts val="2000"/>
+              </a:spcAft>
+              <a:buFontTx/>
+              <a:buChar char="-"/>
+            </a:pPr>
+            <a:endParaRPr lang="en-US" dirty="0">
+              <a:latin typeface="Segoe UI" panose="020B0502040204020203" pitchFamily="34" charset="0"/>
+              <a:cs typeface="Segoe UI" panose="020B0502040204020203" pitchFamily="34" charset="0"/>
+            </a:endParaRPr>
+          </a:p>
+        </p:txBody>
+      </p:sp>
+    </p:spTree>
+    <p:extLst>
+      <p:ext uri="{BB962C8B-B14F-4D97-AF65-F5344CB8AC3E}">
+        <p14:creationId xmlns:p14="http://schemas.microsoft.com/office/powerpoint/2010/main" val="1107001750"/>
+      </p:ext>
+    </p:extLst>
+  </p:cSld>
+  <p:clrMapOvr>
+    <a:masterClrMapping/>
+  </p:clrMapOvr>
+  <mc:AlternateContent xmlns:mc="http://schemas.openxmlformats.org/markup-compatibility/2006" xmlns:p14="http://schemas.microsoft.com/office/powerpoint/2010/main">
+    <mc:Choice Requires="p14">
+      <p:transition p14:dur="10"/>
+    </mc:Choice>
+    <mc:Fallback xmlns="">
+      <p:transition/>
+    </mc:Fallback>
+  </mc:AlternateContent>
+</p:sld>
+</file>
+
+<file path=ppt/slides/slide6.xml><?xml version="1.0" encoding="utf-8"?>
+<p:sld xmlns:a="http://schemas.openxmlformats.org/drawingml/2006/main" xmlns:r="http://schemas.openxmlformats.org/officeDocument/2006/relationships" xmlns:p="http://schemas.openxmlformats.org/presentationml/2006/main">
+  <p:cSld>
+    <p:spTree>
+      <p:nvGrpSpPr>
+        <p:cNvPr id="1" name=""/>
+        <p:cNvGrpSpPr/>
+        <p:nvPr/>
+      </p:nvGrpSpPr>
+      <p:grpSpPr>
+        <a:xfrm>
+          <a:off x="0" y="0"/>
+          <a:ext cx="0" cy="0"/>
+          <a:chOff x="0" y="0"/>
+          <a:chExt cx="0" cy="0"/>
+        </a:xfrm>
+      </p:grpSpPr>
+      <p:sp>
+        <p:nvSpPr>
+          <p:cNvPr id="4" name="Title 3"/>
+          <p:cNvSpPr>
+            <a:spLocks noGrp="1"/>
+          </p:cNvSpPr>
+          <p:nvPr>
+            <p:ph type="title"/>
+          </p:nvPr>
+        </p:nvSpPr>
+        <p:spPr/>
+        <p:txBody>
+          <a:bodyPr>
+            <a:normAutofit/>
+          </a:bodyPr>
+          <a:lstStyle/>
+          <a:p>
+            <a:r>
+              <a:rPr lang="en-US" dirty="0"/>
+              <a:t>REST Cont’d</a:t>
+            </a:r>
+            <a:endParaRPr lang="en-US" dirty="0"/>
+          </a:p>
+        </p:txBody>
+      </p:sp>
+      <p:sp>
+        <p:nvSpPr>
+          <p:cNvPr id="25" name="Content Placeholder 17"/>
+          <p:cNvSpPr txBox="1">
+            <a:spLocks/>
+          </p:cNvSpPr>
+          <p:nvPr/>
+        </p:nvSpPr>
+        <p:spPr>
+          <a:xfrm>
+            <a:off x="541609" y="1455491"/>
+            <a:ext cx="9374748" cy="4607958"/>
+          </a:xfrm>
+          <a:prstGeom prst="rect">
+            <a:avLst/>
+          </a:prstGeom>
+        </p:spPr>
+        <p:txBody>
+          <a:bodyPr vert="horz" lIns="91440" tIns="45720" rIns="91440" bIns="45720" rtlCol="0">
+            <a:normAutofit/>
+          </a:bodyPr>
+          <a:lstStyle>
+            <a:lvl1pPr marL="228600" indent="-228600" algn="l" defTabSz="914400" rtl="0" eaLnBrk="1" latinLnBrk="0" hangingPunct="1">
+              <a:lnSpc>
+                <a:spcPts val="1800"/>
+              </a:lnSpc>
+              <a:spcBef>
+                <a:spcPts val="1000"/>
+              </a:spcBef>
+              <a:spcAft>
+                <a:spcPts val="1000"/>
+              </a:spcAft>
+              <a:buFont typeface="Arial" panose="020B0604020202020204" pitchFamily="34" charset="0"/>
+              <a:buChar char="•"/>
+              <a:defRPr lang="en-US" sz="1200" kern="1200" smtClean="0">
+                <a:solidFill>
+                  <a:schemeClr val="tx1">
+                    <a:lumMod val="75000"/>
+                    <a:lumOff val="25000"/>
+                  </a:schemeClr>
+                </a:solidFill>
+                <a:latin typeface="+mn-lt"/>
+                <a:ea typeface="+mn-ea"/>
+                <a:cs typeface="+mn-cs"/>
+              </a:defRPr>
+            </a:lvl1pPr>
+            <a:lvl2pPr marL="685800" indent="-228600" algn="l" defTabSz="914400" rtl="0" eaLnBrk="1" latinLnBrk="0" hangingPunct="1">
+              <a:lnSpc>
+                <a:spcPts val="1800"/>
+              </a:lnSpc>
+              <a:spcBef>
+                <a:spcPts val="1000"/>
+              </a:spcBef>
+              <a:spcAft>
+                <a:spcPts val="1000"/>
+              </a:spcAft>
+              <a:buFont typeface="Arial" panose="020B0604020202020204" pitchFamily="34" charset="0"/>
+              <a:buChar char="•"/>
+              <a:defRPr lang="en-US" sz="1200" kern="1200" smtClean="0">
+                <a:solidFill>
+                  <a:schemeClr val="tx1">
+                    <a:lumMod val="75000"/>
+                    <a:lumOff val="25000"/>
+                  </a:schemeClr>
+                </a:solidFill>
+                <a:latin typeface="+mn-lt"/>
+                <a:ea typeface="+mn-ea"/>
+                <a:cs typeface="+mn-cs"/>
+              </a:defRPr>
+            </a:lvl2pPr>
+            <a:lvl3pPr marL="1143000" indent="-228600" algn="l" defTabSz="914400" rtl="0" eaLnBrk="1" latinLnBrk="0" hangingPunct="1">
+              <a:lnSpc>
+                <a:spcPts val="1800"/>
+              </a:lnSpc>
+              <a:spcBef>
+                <a:spcPts val="1000"/>
+              </a:spcBef>
+              <a:spcAft>
+                <a:spcPts val="1000"/>
+              </a:spcAft>
+              <a:buFont typeface="Arial" panose="020B0604020202020204" pitchFamily="34" charset="0"/>
+              <a:buChar char="•"/>
+              <a:defRPr lang="en-US" sz="1200" kern="1200" smtClean="0">
+                <a:solidFill>
+                  <a:schemeClr val="tx1">
+                    <a:lumMod val="75000"/>
+                    <a:lumOff val="25000"/>
+                  </a:schemeClr>
+                </a:solidFill>
+                <a:latin typeface="+mn-lt"/>
+                <a:ea typeface="+mn-ea"/>
+                <a:cs typeface="+mn-cs"/>
+              </a:defRPr>
+            </a:lvl3pPr>
+            <a:lvl4pPr marL="1600200" indent="-228600" algn="l" defTabSz="914400" rtl="0" eaLnBrk="1" latinLnBrk="0" hangingPunct="1">
+              <a:lnSpc>
+                <a:spcPts val="1800"/>
+              </a:lnSpc>
+              <a:spcBef>
+                <a:spcPts val="1000"/>
+              </a:spcBef>
+              <a:spcAft>
+                <a:spcPts val="1000"/>
+              </a:spcAft>
+              <a:buFont typeface="Arial" panose="020B0604020202020204" pitchFamily="34" charset="0"/>
+              <a:buChar char="•"/>
+              <a:defRPr lang="en-US" sz="1200" kern="1200" smtClean="0">
+                <a:solidFill>
+                  <a:schemeClr val="tx1">
+                    <a:lumMod val="75000"/>
+                    <a:lumOff val="25000"/>
+                  </a:schemeClr>
+                </a:solidFill>
+                <a:latin typeface="+mn-lt"/>
+                <a:ea typeface="+mn-ea"/>
+                <a:cs typeface="+mn-cs"/>
+              </a:defRPr>
+            </a:lvl4pPr>
+            <a:lvl5pPr marL="2057400" indent="-228600" algn="l" defTabSz="914400" rtl="0" eaLnBrk="1" latinLnBrk="0" hangingPunct="1">
+              <a:lnSpc>
+                <a:spcPts val="1800"/>
+              </a:lnSpc>
+              <a:spcBef>
+                <a:spcPts val="1000"/>
+              </a:spcBef>
+              <a:spcAft>
+                <a:spcPts val="1000"/>
+              </a:spcAft>
+              <a:buFont typeface="Arial" panose="020B0604020202020204" pitchFamily="34" charset="0"/>
+              <a:buChar char="•"/>
+              <a:defRPr lang="en-US" sz="1200" kern="1200">
+                <a:solidFill>
+                  <a:schemeClr val="tx1">
+                    <a:lumMod val="75000"/>
+                    <a:lumOff val="25000"/>
+                  </a:schemeClr>
+                </a:solidFill>
+                <a:latin typeface="+mn-lt"/>
+                <a:ea typeface="+mn-ea"/>
+                <a:cs typeface="+mn-cs"/>
+              </a:defRPr>
+            </a:lvl5pPr>
+            <a:lvl6pPr marL="2514600" indent="-228600" algn="l" defTabSz="914400" rtl="0" eaLnBrk="1" latinLnBrk="0" hangingPunct="1">
+              <a:lnSpc>
+                <a:spcPct val="90000"/>
+              </a:lnSpc>
+              <a:spcBef>
+                <a:spcPct val="30000"/>
+              </a:spcBef>
+              <a:buFont typeface="Arial" panose="020B0604020202020204" pitchFamily="34" charset="0"/>
+              <a:buChar char="•"/>
+              <a:defRPr sz="1800" kern="1200">
+                <a:solidFill>
+                  <a:schemeClr val="tx1"/>
+                </a:solidFill>
+                <a:latin typeface="+mn-lt"/>
+                <a:ea typeface="+mn-ea"/>
+                <a:cs typeface="+mn-cs"/>
+              </a:defRPr>
+            </a:lvl6pPr>
+            <a:lvl7pPr marL="2971800" indent="-228600" algn="l" defTabSz="914400" rtl="0" eaLnBrk="1" latinLnBrk="0" hangingPunct="1">
+              <a:lnSpc>
+                <a:spcPct val="90000"/>
+              </a:lnSpc>
+              <a:spcBef>
+                <a:spcPct val="30000"/>
+              </a:spcBef>
+              <a:buFont typeface="Arial" panose="020B0604020202020204" pitchFamily="34" charset="0"/>
+              <a:buChar char="•"/>
+              <a:defRPr sz="1800" kern="1200">
+                <a:solidFill>
+                  <a:schemeClr val="tx1"/>
+                </a:solidFill>
+                <a:latin typeface="+mn-lt"/>
+                <a:ea typeface="+mn-ea"/>
+                <a:cs typeface="+mn-cs"/>
+              </a:defRPr>
+            </a:lvl7pPr>
+            <a:lvl8pPr marL="3429000" indent="-228600" algn="l" defTabSz="914400" rtl="0" eaLnBrk="1" latinLnBrk="0" hangingPunct="1">
+              <a:lnSpc>
+                <a:spcPct val="90000"/>
+              </a:lnSpc>
+              <a:spcBef>
+                <a:spcPct val="30000"/>
+              </a:spcBef>
+              <a:buFont typeface="Arial" panose="020B0604020202020204" pitchFamily="34" charset="0"/>
+              <a:buChar char="•"/>
+              <a:defRPr sz="1800" kern="1200">
+                <a:solidFill>
+                  <a:schemeClr val="tx1"/>
+                </a:solidFill>
+                <a:latin typeface="+mn-lt"/>
+                <a:ea typeface="+mn-ea"/>
+                <a:cs typeface="+mn-cs"/>
+              </a:defRPr>
+            </a:lvl8pPr>
+            <a:lvl9pPr marL="3886200" indent="-228600" algn="l" defTabSz="914400" rtl="0" eaLnBrk="1" latinLnBrk="0" hangingPunct="1">
+              <a:lnSpc>
+                <a:spcPct val="90000"/>
+              </a:lnSpc>
+              <a:spcBef>
+                <a:spcPct val="30000"/>
+              </a:spcBef>
+              <a:buFont typeface="Arial" panose="020B0604020202020204" pitchFamily="34" charset="0"/>
+              <a:buChar char="•"/>
+              <a:defRPr sz="1800" kern="1200">
+                <a:solidFill>
+                  <a:schemeClr val="tx1"/>
+                </a:solidFill>
+                <a:latin typeface="+mn-lt"/>
+                <a:ea typeface="+mn-ea"/>
+                <a:cs typeface="+mn-cs"/>
+              </a:defRPr>
+            </a:lvl9pPr>
+          </a:lstStyle>
+          <a:p>
+            <a:pPr>
+              <a:spcAft>
+                <a:spcPts val="2000"/>
+              </a:spcAft>
+              <a:buFontTx/>
+              <a:buChar char="-"/>
+            </a:pPr>
+            <a:r>
+              <a:rPr lang="en-US" dirty="0"/>
+              <a:t> HTTP is a protocol which allows us to send files back and forth on the web, which involves a client and a server. HTTP is text based, which makes it easier to </a:t>
+            </a:r>
+            <a:r>
+              <a:rPr lang="en-US" dirty="0" smtClean="0"/>
+              <a:t>monitor</a:t>
+            </a:r>
+            <a:endParaRPr lang="en-US" dirty="0"/>
+          </a:p>
+          <a:p>
+            <a:pPr lvl="1">
+              <a:spcAft>
+                <a:spcPts val="2000"/>
+              </a:spcAft>
+              <a:buFontTx/>
+              <a:buChar char="-"/>
+            </a:pPr>
+            <a:r>
+              <a:rPr lang="en-US" dirty="0"/>
+              <a:t>HTTP is </a:t>
+            </a:r>
+            <a:r>
+              <a:rPr lang="en-US" dirty="0" smtClean="0"/>
+              <a:t>connectionless</a:t>
+            </a:r>
+          </a:p>
+          <a:p>
+            <a:pPr lvl="1">
+              <a:spcAft>
+                <a:spcPts val="2000"/>
+              </a:spcAft>
+              <a:buFontTx/>
+              <a:buChar char="-"/>
+            </a:pPr>
+            <a:r>
+              <a:rPr lang="en-US" dirty="0"/>
+              <a:t>HTTP is media</a:t>
+            </a:r>
+            <a:r>
+              <a:rPr lang="en-US" b="1" dirty="0"/>
+              <a:t> </a:t>
+            </a:r>
+            <a:r>
+              <a:rPr lang="en-US" dirty="0"/>
+              <a:t>independent, which means any type of data can be sent through the </a:t>
+            </a:r>
+            <a:r>
+              <a:rPr lang="en-US" dirty="0" smtClean="0"/>
+              <a:t>http</a:t>
+            </a:r>
+          </a:p>
+          <a:p>
+            <a:pPr lvl="1">
+              <a:spcAft>
+                <a:spcPts val="2000"/>
+              </a:spcAft>
+              <a:buFontTx/>
+              <a:buChar char="-"/>
+            </a:pPr>
+            <a:r>
+              <a:rPr lang="en-US" dirty="0"/>
+              <a:t>HTTP is stateless, neither the server nor the client keeps a track of the last </a:t>
+            </a:r>
+            <a:r>
+              <a:rPr lang="en-US" dirty="0" smtClean="0"/>
+              <a:t>request</a:t>
+            </a:r>
+          </a:p>
+          <a:p>
+            <a:pPr>
+              <a:spcAft>
+                <a:spcPts val="2000"/>
+              </a:spcAft>
+              <a:buFontTx/>
+              <a:buChar char="-"/>
+            </a:pPr>
+            <a:r>
+              <a:rPr lang="en-US" dirty="0"/>
+              <a:t>HTTP makes use of the </a:t>
+            </a:r>
+            <a:r>
+              <a:rPr lang="en-US" dirty="0" smtClean="0"/>
+              <a:t>Uniform Resource Identifier (URI)</a:t>
+            </a:r>
+            <a:r>
+              <a:rPr lang="en-US" dirty="0"/>
+              <a:t> to identify any given resource and establish a connection. HTTP request and response, use a generic message format of </a:t>
+            </a:r>
+            <a:r>
+              <a:rPr lang="en-US" dirty="0" smtClean="0"/>
+              <a:t>RFC 822</a:t>
+            </a:r>
+            <a:r>
+              <a:rPr lang="en-US" dirty="0"/>
+              <a:t> for transferring the </a:t>
+            </a:r>
+            <a:r>
+              <a:rPr lang="en-US" dirty="0" smtClean="0"/>
+              <a:t>data</a:t>
+            </a:r>
+          </a:p>
+          <a:p>
+            <a:pPr>
+              <a:spcAft>
+                <a:spcPts val="2000"/>
+              </a:spcAft>
+              <a:buFontTx/>
+              <a:buChar char="-"/>
+            </a:pPr>
+            <a:r>
+              <a:rPr lang="en-US" dirty="0"/>
+              <a:t>HTTP header holds the metadata and information about the HTTP method, while the body contains the data that we want to send to the </a:t>
+            </a:r>
+            <a:r>
+              <a:rPr lang="en-US" dirty="0" smtClean="0"/>
+              <a:t>server</a:t>
+            </a:r>
+          </a:p>
+        </p:txBody>
+      </p:sp>
+    </p:spTree>
+    <p:extLst>
+      <p:ext uri="{BB962C8B-B14F-4D97-AF65-F5344CB8AC3E}">
+        <p14:creationId xmlns:p14="http://schemas.microsoft.com/office/powerpoint/2010/main" val="3702741959"/>
+      </p:ext>
+    </p:extLst>
+  </p:cSld>
+  <p:clrMapOvr>
+    <a:masterClrMapping/>
+  </p:clrMapOvr>
+  <mc:AlternateContent xmlns:mc="http://schemas.openxmlformats.org/markup-compatibility/2006" xmlns:p14="http://schemas.microsoft.com/office/powerpoint/2010/main">
+    <mc:Choice Requires="p14">
+      <p:transition p14:dur="10"/>
+    </mc:Choice>
+    <mc:Fallback xmlns="">
+      <p:transition/>
+    </mc:Fallback>
+  </mc:AlternateContent>
+</p:sld>
+</file>
+
+<file path=ppt/slides/slide7.xml><?xml version="1.0" encoding="utf-8"?>
+<p:sld xmlns:a="http://schemas.openxmlformats.org/drawingml/2006/main" xmlns:r="http://schemas.openxmlformats.org/officeDocument/2006/relationships" xmlns:p="http://schemas.openxmlformats.org/presentationml/2006/main">
+  <p:cSld>
+    <p:spTree>
+      <p:nvGrpSpPr>
+        <p:cNvPr id="1" name=""/>
+        <p:cNvGrpSpPr/>
+        <p:nvPr/>
+      </p:nvGrpSpPr>
+      <p:grpSpPr>
+        <a:xfrm>
+          <a:off x="0" y="0"/>
+          <a:ext cx="0" cy="0"/>
+          <a:chOff x="0" y="0"/>
+          <a:chExt cx="0" cy="0"/>
+        </a:xfrm>
+      </p:grpSpPr>
+      <p:sp>
+        <p:nvSpPr>
+          <p:cNvPr id="4" name="Title 3"/>
+          <p:cNvSpPr>
+            <a:spLocks noGrp="1"/>
+          </p:cNvSpPr>
+          <p:nvPr>
+            <p:ph type="title"/>
+          </p:nvPr>
+        </p:nvSpPr>
+        <p:spPr/>
+        <p:txBody>
+          <a:bodyPr>
+            <a:normAutofit/>
+          </a:bodyPr>
+          <a:lstStyle/>
+          <a:p>
+            <a:r>
+              <a:rPr lang="en-US" dirty="0"/>
+              <a:t>REST Cont’d</a:t>
+            </a:r>
+            <a:endParaRPr lang="en-US" dirty="0"/>
+          </a:p>
+        </p:txBody>
+      </p:sp>
+      <p:sp>
+        <p:nvSpPr>
+          <p:cNvPr id="25" name="Content Placeholder 17"/>
+          <p:cNvSpPr txBox="1">
+            <a:spLocks/>
+          </p:cNvSpPr>
+          <p:nvPr/>
+        </p:nvSpPr>
+        <p:spPr>
+          <a:xfrm>
+            <a:off x="541609" y="1455491"/>
+            <a:ext cx="9374748" cy="4607958"/>
+          </a:xfrm>
+          <a:prstGeom prst="rect">
+            <a:avLst/>
+          </a:prstGeom>
+        </p:spPr>
+        <p:txBody>
+          <a:bodyPr vert="horz" lIns="91440" tIns="45720" rIns="91440" bIns="45720" rtlCol="0">
+            <a:normAutofit/>
+          </a:bodyPr>
+          <a:lstStyle>
+            <a:lvl1pPr marL="228600" indent="-228600" algn="l" defTabSz="914400" rtl="0" eaLnBrk="1" latinLnBrk="0" hangingPunct="1">
+              <a:lnSpc>
+                <a:spcPts val="1800"/>
+              </a:lnSpc>
+              <a:spcBef>
+                <a:spcPts val="1000"/>
+              </a:spcBef>
+              <a:spcAft>
+                <a:spcPts val="1000"/>
+              </a:spcAft>
+              <a:buFont typeface="Arial" panose="020B0604020202020204" pitchFamily="34" charset="0"/>
+              <a:buChar char="•"/>
+              <a:defRPr lang="en-US" sz="1200" kern="1200" smtClean="0">
+                <a:solidFill>
+                  <a:schemeClr val="tx1">
+                    <a:lumMod val="75000"/>
+                    <a:lumOff val="25000"/>
+                  </a:schemeClr>
+                </a:solidFill>
+                <a:latin typeface="+mn-lt"/>
+                <a:ea typeface="+mn-ea"/>
+                <a:cs typeface="+mn-cs"/>
+              </a:defRPr>
+            </a:lvl1pPr>
+            <a:lvl2pPr marL="685800" indent="-228600" algn="l" defTabSz="914400" rtl="0" eaLnBrk="1" latinLnBrk="0" hangingPunct="1">
+              <a:lnSpc>
+                <a:spcPts val="1800"/>
+              </a:lnSpc>
+              <a:spcBef>
+                <a:spcPts val="1000"/>
+              </a:spcBef>
+              <a:spcAft>
+                <a:spcPts val="1000"/>
+              </a:spcAft>
+              <a:buFont typeface="Arial" panose="020B0604020202020204" pitchFamily="34" charset="0"/>
+              <a:buChar char="•"/>
+              <a:defRPr lang="en-US" sz="1200" kern="1200" smtClean="0">
+                <a:solidFill>
+                  <a:schemeClr val="tx1">
+                    <a:lumMod val="75000"/>
+                    <a:lumOff val="25000"/>
+                  </a:schemeClr>
+                </a:solidFill>
+                <a:latin typeface="+mn-lt"/>
+                <a:ea typeface="+mn-ea"/>
+                <a:cs typeface="+mn-cs"/>
+              </a:defRPr>
+            </a:lvl2pPr>
+            <a:lvl3pPr marL="1143000" indent="-228600" algn="l" defTabSz="914400" rtl="0" eaLnBrk="1" latinLnBrk="0" hangingPunct="1">
+              <a:lnSpc>
+                <a:spcPts val="1800"/>
+              </a:lnSpc>
+              <a:spcBef>
+                <a:spcPts val="1000"/>
+              </a:spcBef>
+              <a:spcAft>
+                <a:spcPts val="1000"/>
+              </a:spcAft>
+              <a:buFont typeface="Arial" panose="020B0604020202020204" pitchFamily="34" charset="0"/>
+              <a:buChar char="•"/>
+              <a:defRPr lang="en-US" sz="1200" kern="1200" smtClean="0">
+                <a:solidFill>
+                  <a:schemeClr val="tx1">
+                    <a:lumMod val="75000"/>
+                    <a:lumOff val="25000"/>
+                  </a:schemeClr>
+                </a:solidFill>
+                <a:latin typeface="+mn-lt"/>
+                <a:ea typeface="+mn-ea"/>
+                <a:cs typeface="+mn-cs"/>
+              </a:defRPr>
+            </a:lvl3pPr>
+            <a:lvl4pPr marL="1600200" indent="-228600" algn="l" defTabSz="914400" rtl="0" eaLnBrk="1" latinLnBrk="0" hangingPunct="1">
+              <a:lnSpc>
+                <a:spcPts val="1800"/>
+              </a:lnSpc>
+              <a:spcBef>
+                <a:spcPts val="1000"/>
+              </a:spcBef>
+              <a:spcAft>
+                <a:spcPts val="1000"/>
+              </a:spcAft>
+              <a:buFont typeface="Arial" panose="020B0604020202020204" pitchFamily="34" charset="0"/>
+              <a:buChar char="•"/>
+              <a:defRPr lang="en-US" sz="1200" kern="1200" smtClean="0">
+                <a:solidFill>
+                  <a:schemeClr val="tx1">
+                    <a:lumMod val="75000"/>
+                    <a:lumOff val="25000"/>
+                  </a:schemeClr>
+                </a:solidFill>
+                <a:latin typeface="+mn-lt"/>
+                <a:ea typeface="+mn-ea"/>
+                <a:cs typeface="+mn-cs"/>
+              </a:defRPr>
+            </a:lvl4pPr>
+            <a:lvl5pPr marL="2057400" indent="-228600" algn="l" defTabSz="914400" rtl="0" eaLnBrk="1" latinLnBrk="0" hangingPunct="1">
+              <a:lnSpc>
+                <a:spcPts val="1800"/>
+              </a:lnSpc>
+              <a:spcBef>
+                <a:spcPts val="1000"/>
+              </a:spcBef>
+              <a:spcAft>
+                <a:spcPts val="1000"/>
+              </a:spcAft>
+              <a:buFont typeface="Arial" panose="020B0604020202020204" pitchFamily="34" charset="0"/>
+              <a:buChar char="•"/>
+              <a:defRPr lang="en-US" sz="1200" kern="1200">
+                <a:solidFill>
+                  <a:schemeClr val="tx1">
+                    <a:lumMod val="75000"/>
+                    <a:lumOff val="25000"/>
+                  </a:schemeClr>
+                </a:solidFill>
+                <a:latin typeface="+mn-lt"/>
+                <a:ea typeface="+mn-ea"/>
+                <a:cs typeface="+mn-cs"/>
+              </a:defRPr>
+            </a:lvl5pPr>
+            <a:lvl6pPr marL="2514600" indent="-228600" algn="l" defTabSz="914400" rtl="0" eaLnBrk="1" latinLnBrk="0" hangingPunct="1">
+              <a:lnSpc>
+                <a:spcPct val="90000"/>
+              </a:lnSpc>
+              <a:spcBef>
+                <a:spcPct val="30000"/>
+              </a:spcBef>
+              <a:buFont typeface="Arial" panose="020B0604020202020204" pitchFamily="34" charset="0"/>
+              <a:buChar char="•"/>
+              <a:defRPr sz="1800" kern="1200">
+                <a:solidFill>
+                  <a:schemeClr val="tx1"/>
+                </a:solidFill>
+                <a:latin typeface="+mn-lt"/>
+                <a:ea typeface="+mn-ea"/>
+                <a:cs typeface="+mn-cs"/>
+              </a:defRPr>
+            </a:lvl6pPr>
+            <a:lvl7pPr marL="2971800" indent="-228600" algn="l" defTabSz="914400" rtl="0" eaLnBrk="1" latinLnBrk="0" hangingPunct="1">
+              <a:lnSpc>
+                <a:spcPct val="90000"/>
+              </a:lnSpc>
+              <a:spcBef>
+                <a:spcPct val="30000"/>
+              </a:spcBef>
+              <a:buFont typeface="Arial" panose="020B0604020202020204" pitchFamily="34" charset="0"/>
+              <a:buChar char="•"/>
+              <a:defRPr sz="1800" kern="1200">
+                <a:solidFill>
+                  <a:schemeClr val="tx1"/>
+                </a:solidFill>
+                <a:latin typeface="+mn-lt"/>
+                <a:ea typeface="+mn-ea"/>
+                <a:cs typeface="+mn-cs"/>
+              </a:defRPr>
+            </a:lvl7pPr>
+            <a:lvl8pPr marL="3429000" indent="-228600" algn="l" defTabSz="914400" rtl="0" eaLnBrk="1" latinLnBrk="0" hangingPunct="1">
+              <a:lnSpc>
+                <a:spcPct val="90000"/>
+              </a:lnSpc>
+              <a:spcBef>
+                <a:spcPct val="30000"/>
+              </a:spcBef>
+              <a:buFont typeface="Arial" panose="020B0604020202020204" pitchFamily="34" charset="0"/>
+              <a:buChar char="•"/>
+              <a:defRPr sz="1800" kern="1200">
+                <a:solidFill>
+                  <a:schemeClr val="tx1"/>
+                </a:solidFill>
+                <a:latin typeface="+mn-lt"/>
+                <a:ea typeface="+mn-ea"/>
+                <a:cs typeface="+mn-cs"/>
+              </a:defRPr>
+            </a:lvl8pPr>
+            <a:lvl9pPr marL="3886200" indent="-228600" algn="l" defTabSz="914400" rtl="0" eaLnBrk="1" latinLnBrk="0" hangingPunct="1">
+              <a:lnSpc>
+                <a:spcPct val="90000"/>
+              </a:lnSpc>
+              <a:spcBef>
+                <a:spcPct val="30000"/>
+              </a:spcBef>
+              <a:buFont typeface="Arial" panose="020B0604020202020204" pitchFamily="34" charset="0"/>
+              <a:buChar char="•"/>
+              <a:defRPr sz="1800" kern="1200">
+                <a:solidFill>
+                  <a:schemeClr val="tx1"/>
+                </a:solidFill>
+                <a:latin typeface="+mn-lt"/>
+                <a:ea typeface="+mn-ea"/>
+                <a:cs typeface="+mn-cs"/>
+              </a:defRPr>
+            </a:lvl9pPr>
+          </a:lstStyle>
+          <a:p>
+            <a:pPr>
+              <a:spcAft>
+                <a:spcPts val="2000"/>
+              </a:spcAft>
+              <a:buFontTx/>
+              <a:buChar char="-"/>
+            </a:pPr>
+            <a:r>
+              <a:rPr lang="en-US" dirty="0"/>
+              <a:t> Whenever we call a REST service, we generally don't mention the </a:t>
+            </a:r>
+            <a:r>
+              <a:rPr lang="en-US" dirty="0" smtClean="0"/>
+              <a:t>hostname, </a:t>
+            </a:r>
+            <a:r>
+              <a:rPr lang="en-US" dirty="0"/>
+              <a:t>but hostname is very important to make the URL unique all over the web. The header generally has the hostname in </a:t>
+            </a:r>
+            <a:r>
+              <a:rPr lang="en-US" dirty="0" smtClean="0"/>
+              <a:t>it</a:t>
+            </a:r>
+            <a:endParaRPr lang="en-US" dirty="0"/>
+          </a:p>
+          <a:p>
+            <a:pPr>
+              <a:spcAft>
+                <a:spcPts val="2000"/>
+              </a:spcAft>
+              <a:buFontTx/>
+              <a:buChar char="-"/>
+            </a:pPr>
+            <a:r>
+              <a:rPr lang="en-US" dirty="0"/>
+              <a:t>While creating a RESTful architecture, keep in mind that resources are thought to be as </a:t>
+            </a:r>
+            <a:r>
+              <a:rPr lang="en-US" dirty="0" smtClean="0"/>
+              <a:t>nouns</a:t>
+            </a:r>
+          </a:p>
+          <a:p>
+            <a:pPr>
+              <a:spcAft>
+                <a:spcPts val="2000"/>
+              </a:spcAft>
+              <a:buFontTx/>
+              <a:buChar char="-"/>
+            </a:pPr>
+            <a:r>
+              <a:rPr lang="en-US" dirty="0"/>
+              <a:t>The most important part of a request is the HTTP Method (verbs</a:t>
+            </a:r>
+            <a:r>
+              <a:rPr lang="en-US" dirty="0" smtClean="0"/>
+              <a:t>)</a:t>
+            </a:r>
+          </a:p>
+          <a:p>
+            <a:pPr>
+              <a:spcAft>
+                <a:spcPts val="2000"/>
+              </a:spcAft>
+              <a:buFontTx/>
+              <a:buChar char="-"/>
+            </a:pPr>
+            <a:r>
+              <a:rPr lang="en-US" dirty="0"/>
+              <a:t>The HTTP verbs comprise a major portion of our “uniform interface” constraint and provide us the action counterpart to the noun-based resource</a:t>
+            </a:r>
+            <a:endParaRPr lang="en-US" dirty="0" smtClean="0"/>
+          </a:p>
+          <a:p>
+            <a:pPr>
+              <a:spcAft>
+                <a:spcPts val="2000"/>
+              </a:spcAft>
+              <a:buFontTx/>
+              <a:buChar char="-"/>
+            </a:pPr>
+            <a:r>
+              <a:rPr lang="en-US" dirty="0"/>
+              <a:t>These methods tells the server what to do with the data received in the </a:t>
+            </a:r>
+            <a:r>
+              <a:rPr lang="en-US" dirty="0" smtClean="0"/>
+              <a:t>request</a:t>
+            </a:r>
+          </a:p>
+          <a:p>
+            <a:pPr>
+              <a:spcAft>
+                <a:spcPts val="2000"/>
+              </a:spcAft>
+              <a:buFontTx/>
+              <a:buChar char="-"/>
+            </a:pPr>
+            <a:r>
+              <a:rPr lang="en-US" dirty="0"/>
+              <a:t>The primary or most-commonly-used HTTP verbs (or methods, as they are properly called) are POST, GET, PUT, PATCH, and DELETE</a:t>
+            </a:r>
+          </a:p>
+        </p:txBody>
+      </p:sp>
+    </p:spTree>
+    <p:extLst>
+      <p:ext uri="{BB962C8B-B14F-4D97-AF65-F5344CB8AC3E}">
+        <p14:creationId xmlns:p14="http://schemas.microsoft.com/office/powerpoint/2010/main" val="1060401875"/>
+      </p:ext>
+    </p:extLst>
+  </p:cSld>
+  <p:clrMapOvr>
+    <a:masterClrMapping/>
+  </p:clrMapOvr>
+  <mc:AlternateContent xmlns:mc="http://schemas.openxmlformats.org/markup-compatibility/2006" xmlns:p14="http://schemas.microsoft.com/office/powerpoint/2010/main">
+    <mc:Choice Requires="p14">
+      <p:transition p14:dur="10"/>
+    </mc:Choice>
+    <mc:Fallback xmlns="">
+      <p:transition/>
+    </mc:Fallback>
+  </mc:AlternateContent>
+</p:sld>
+</file>
+
+<file path=ppt/slides/slide8.xml><?xml version="1.0" encoding="utf-8"?>
+<p:sld xmlns:a="http://schemas.openxmlformats.org/drawingml/2006/main" xmlns:r="http://schemas.openxmlformats.org/officeDocument/2006/relationships" xmlns:p="http://schemas.openxmlformats.org/presentationml/2006/main">
+  <p:cSld>
+    <p:spTree>
+      <p:nvGrpSpPr>
+        <p:cNvPr id="1" name=""/>
+        <p:cNvGrpSpPr/>
+        <p:nvPr/>
+      </p:nvGrpSpPr>
+      <p:grpSpPr>
+        <a:xfrm>
+          <a:off x="0" y="0"/>
+          <a:ext cx="0" cy="0"/>
+          <a:chOff x="0" y="0"/>
+          <a:chExt cx="0" cy="0"/>
+        </a:xfrm>
+      </p:grpSpPr>
+      <p:sp>
+        <p:nvSpPr>
+          <p:cNvPr id="4" name="Title 3"/>
+          <p:cNvSpPr>
+            <a:spLocks noGrp="1"/>
+          </p:cNvSpPr>
+          <p:nvPr>
+            <p:ph type="title"/>
+          </p:nvPr>
+        </p:nvSpPr>
+        <p:spPr/>
+        <p:txBody>
+          <a:bodyPr>
+            <a:normAutofit/>
+          </a:bodyPr>
+          <a:lstStyle/>
+          <a:p>
+            <a:r>
+              <a:rPr lang="en-US" dirty="0"/>
+              <a:t>REST Cont’d</a:t>
+            </a:r>
+            <a:endParaRPr lang="en-US" dirty="0"/>
+          </a:p>
+        </p:txBody>
+      </p:sp>
+      <p:sp>
+        <p:nvSpPr>
+          <p:cNvPr id="25" name="Content Placeholder 17"/>
+          <p:cNvSpPr txBox="1">
+            <a:spLocks/>
+          </p:cNvSpPr>
+          <p:nvPr/>
+        </p:nvSpPr>
+        <p:spPr>
+          <a:xfrm>
+            <a:off x="541609" y="1455491"/>
+            <a:ext cx="9374748" cy="4607958"/>
+          </a:xfrm>
+          <a:prstGeom prst="rect">
+            <a:avLst/>
+          </a:prstGeom>
+        </p:spPr>
+        <p:txBody>
+          <a:bodyPr vert="horz" lIns="91440" tIns="45720" rIns="91440" bIns="45720" rtlCol="0">
+            <a:normAutofit/>
+          </a:bodyPr>
+          <a:lstStyle>
+            <a:lvl1pPr marL="228600" indent="-228600" algn="l" defTabSz="914400" rtl="0" eaLnBrk="1" latinLnBrk="0" hangingPunct="1">
+              <a:lnSpc>
+                <a:spcPts val="1800"/>
+              </a:lnSpc>
+              <a:spcBef>
+                <a:spcPts val="1000"/>
+              </a:spcBef>
+              <a:spcAft>
+                <a:spcPts val="1000"/>
+              </a:spcAft>
+              <a:buFont typeface="Arial" panose="020B0604020202020204" pitchFamily="34" charset="0"/>
+              <a:buChar char="•"/>
+              <a:defRPr lang="en-US" sz="1200" kern="1200" smtClean="0">
+                <a:solidFill>
+                  <a:schemeClr val="tx1">
+                    <a:lumMod val="75000"/>
+                    <a:lumOff val="25000"/>
+                  </a:schemeClr>
+                </a:solidFill>
+                <a:latin typeface="+mn-lt"/>
+                <a:ea typeface="+mn-ea"/>
+                <a:cs typeface="+mn-cs"/>
+              </a:defRPr>
+            </a:lvl1pPr>
+            <a:lvl2pPr marL="685800" indent="-228600" algn="l" defTabSz="914400" rtl="0" eaLnBrk="1" latinLnBrk="0" hangingPunct="1">
+              <a:lnSpc>
+                <a:spcPts val="1800"/>
+              </a:lnSpc>
+              <a:spcBef>
+                <a:spcPts val="1000"/>
+              </a:spcBef>
+              <a:spcAft>
+                <a:spcPts val="1000"/>
+              </a:spcAft>
+              <a:buFont typeface="Arial" panose="020B0604020202020204" pitchFamily="34" charset="0"/>
+              <a:buChar char="•"/>
+              <a:defRPr lang="en-US" sz="1200" kern="1200" smtClean="0">
+                <a:solidFill>
+                  <a:schemeClr val="tx1">
+                    <a:lumMod val="75000"/>
+                    <a:lumOff val="25000"/>
+                  </a:schemeClr>
+                </a:solidFill>
+                <a:latin typeface="+mn-lt"/>
+                <a:ea typeface="+mn-ea"/>
+                <a:cs typeface="+mn-cs"/>
+              </a:defRPr>
+            </a:lvl2pPr>
+            <a:lvl3pPr marL="1143000" indent="-228600" algn="l" defTabSz="914400" rtl="0" eaLnBrk="1" latinLnBrk="0" hangingPunct="1">
+              <a:lnSpc>
+                <a:spcPts val="1800"/>
+              </a:lnSpc>
+              <a:spcBef>
+                <a:spcPts val="1000"/>
+              </a:spcBef>
+              <a:spcAft>
+                <a:spcPts val="1000"/>
+              </a:spcAft>
+              <a:buFont typeface="Arial" panose="020B0604020202020204" pitchFamily="34" charset="0"/>
+              <a:buChar char="•"/>
+              <a:defRPr lang="en-US" sz="1200" kern="1200" smtClean="0">
+                <a:solidFill>
+                  <a:schemeClr val="tx1">
+                    <a:lumMod val="75000"/>
+                    <a:lumOff val="25000"/>
+                  </a:schemeClr>
+                </a:solidFill>
+                <a:latin typeface="+mn-lt"/>
+                <a:ea typeface="+mn-ea"/>
+                <a:cs typeface="+mn-cs"/>
+              </a:defRPr>
+            </a:lvl3pPr>
+            <a:lvl4pPr marL="1600200" indent="-228600" algn="l" defTabSz="914400" rtl="0" eaLnBrk="1" latinLnBrk="0" hangingPunct="1">
+              <a:lnSpc>
+                <a:spcPts val="1800"/>
+              </a:lnSpc>
+              <a:spcBef>
+                <a:spcPts val="1000"/>
+              </a:spcBef>
+              <a:spcAft>
+                <a:spcPts val="1000"/>
+              </a:spcAft>
+              <a:buFont typeface="Arial" panose="020B0604020202020204" pitchFamily="34" charset="0"/>
+              <a:buChar char="•"/>
+              <a:defRPr lang="en-US" sz="1200" kern="1200" smtClean="0">
+                <a:solidFill>
+                  <a:schemeClr val="tx1">
+                    <a:lumMod val="75000"/>
+                    <a:lumOff val="25000"/>
+                  </a:schemeClr>
+                </a:solidFill>
+                <a:latin typeface="+mn-lt"/>
+                <a:ea typeface="+mn-ea"/>
+                <a:cs typeface="+mn-cs"/>
+              </a:defRPr>
+            </a:lvl4pPr>
+            <a:lvl5pPr marL="2057400" indent="-228600" algn="l" defTabSz="914400" rtl="0" eaLnBrk="1" latinLnBrk="0" hangingPunct="1">
+              <a:lnSpc>
+                <a:spcPts val="1800"/>
+              </a:lnSpc>
+              <a:spcBef>
+                <a:spcPts val="1000"/>
+              </a:spcBef>
+              <a:spcAft>
+                <a:spcPts val="1000"/>
+              </a:spcAft>
+              <a:buFont typeface="Arial" panose="020B0604020202020204" pitchFamily="34" charset="0"/>
+              <a:buChar char="•"/>
+              <a:defRPr lang="en-US" sz="1200" kern="1200">
+                <a:solidFill>
+                  <a:schemeClr val="tx1">
+                    <a:lumMod val="75000"/>
+                    <a:lumOff val="25000"/>
+                  </a:schemeClr>
+                </a:solidFill>
+                <a:latin typeface="+mn-lt"/>
+                <a:ea typeface="+mn-ea"/>
+                <a:cs typeface="+mn-cs"/>
+              </a:defRPr>
+            </a:lvl5pPr>
+            <a:lvl6pPr marL="2514600" indent="-228600" algn="l" defTabSz="914400" rtl="0" eaLnBrk="1" latinLnBrk="0" hangingPunct="1">
+              <a:lnSpc>
+                <a:spcPct val="90000"/>
+              </a:lnSpc>
+              <a:spcBef>
+                <a:spcPct val="30000"/>
+              </a:spcBef>
+              <a:buFont typeface="Arial" panose="020B0604020202020204" pitchFamily="34" charset="0"/>
+              <a:buChar char="•"/>
+              <a:defRPr sz="1800" kern="1200">
+                <a:solidFill>
+                  <a:schemeClr val="tx1"/>
+                </a:solidFill>
+                <a:latin typeface="+mn-lt"/>
+                <a:ea typeface="+mn-ea"/>
+                <a:cs typeface="+mn-cs"/>
+              </a:defRPr>
+            </a:lvl6pPr>
+            <a:lvl7pPr marL="2971800" indent="-228600" algn="l" defTabSz="914400" rtl="0" eaLnBrk="1" latinLnBrk="0" hangingPunct="1">
+              <a:lnSpc>
+                <a:spcPct val="90000"/>
+              </a:lnSpc>
+              <a:spcBef>
+                <a:spcPct val="30000"/>
+              </a:spcBef>
+              <a:buFont typeface="Arial" panose="020B0604020202020204" pitchFamily="34" charset="0"/>
+              <a:buChar char="•"/>
+              <a:defRPr sz="1800" kern="1200">
+                <a:solidFill>
+                  <a:schemeClr val="tx1"/>
+                </a:solidFill>
+                <a:latin typeface="+mn-lt"/>
+                <a:ea typeface="+mn-ea"/>
+                <a:cs typeface="+mn-cs"/>
+              </a:defRPr>
+            </a:lvl7pPr>
+            <a:lvl8pPr marL="3429000" indent="-228600" algn="l" defTabSz="914400" rtl="0" eaLnBrk="1" latinLnBrk="0" hangingPunct="1">
+              <a:lnSpc>
+                <a:spcPct val="90000"/>
+              </a:lnSpc>
+              <a:spcBef>
+                <a:spcPct val="30000"/>
+              </a:spcBef>
+              <a:buFont typeface="Arial" panose="020B0604020202020204" pitchFamily="34" charset="0"/>
+              <a:buChar char="•"/>
+              <a:defRPr sz="1800" kern="1200">
+                <a:solidFill>
+                  <a:schemeClr val="tx1"/>
+                </a:solidFill>
+                <a:latin typeface="+mn-lt"/>
+                <a:ea typeface="+mn-ea"/>
+                <a:cs typeface="+mn-cs"/>
+              </a:defRPr>
+            </a:lvl8pPr>
+            <a:lvl9pPr marL="3886200" indent="-228600" algn="l" defTabSz="914400" rtl="0" eaLnBrk="1" latinLnBrk="0" hangingPunct="1">
+              <a:lnSpc>
+                <a:spcPct val="90000"/>
+              </a:lnSpc>
+              <a:spcBef>
+                <a:spcPct val="30000"/>
+              </a:spcBef>
+              <a:buFont typeface="Arial" panose="020B0604020202020204" pitchFamily="34" charset="0"/>
+              <a:buChar char="•"/>
+              <a:defRPr sz="1800" kern="1200">
+                <a:solidFill>
+                  <a:schemeClr val="tx1"/>
+                </a:solidFill>
+                <a:latin typeface="+mn-lt"/>
+                <a:ea typeface="+mn-ea"/>
+                <a:cs typeface="+mn-cs"/>
+              </a:defRPr>
+            </a:lvl9pPr>
+          </a:lstStyle>
+          <a:p>
+            <a:pPr>
+              <a:spcAft>
+                <a:spcPts val="2000"/>
+              </a:spcAft>
+              <a:buFontTx/>
+              <a:buChar char="-"/>
+            </a:pPr>
+            <a:r>
+              <a:rPr lang="en-US" dirty="0" smtClean="0"/>
+              <a:t>REST lays out a fundamental concept of how HTTP action verbs should be used</a:t>
+            </a:r>
+          </a:p>
+          <a:p>
+            <a:pPr lvl="1">
+              <a:spcAft>
+                <a:spcPts val="2000"/>
+              </a:spcAft>
+              <a:buFontTx/>
+              <a:buChar char="-"/>
+            </a:pPr>
+            <a:r>
+              <a:rPr lang="en-US" dirty="0" smtClean="0"/>
+              <a:t>GET – Read data</a:t>
+            </a:r>
+          </a:p>
+          <a:p>
+            <a:pPr lvl="1">
+              <a:spcAft>
+                <a:spcPts val="2000"/>
+              </a:spcAft>
+              <a:buFontTx/>
+              <a:buChar char="-"/>
+            </a:pPr>
+            <a:r>
+              <a:rPr lang="en-US" dirty="0" smtClean="0"/>
+              <a:t>POST – Create data</a:t>
+            </a:r>
+          </a:p>
+          <a:p>
+            <a:pPr lvl="1">
+              <a:spcAft>
+                <a:spcPts val="2000"/>
+              </a:spcAft>
+              <a:buFontTx/>
+              <a:buChar char="-"/>
+            </a:pPr>
+            <a:r>
+              <a:rPr lang="en-US" dirty="0" smtClean="0"/>
+              <a:t>PUT – Update/Replace data</a:t>
+            </a:r>
+          </a:p>
+          <a:p>
+            <a:pPr lvl="1">
+              <a:spcAft>
+                <a:spcPts val="2000"/>
+              </a:spcAft>
+              <a:buFontTx/>
+              <a:buChar char="-"/>
+            </a:pPr>
+            <a:r>
+              <a:rPr lang="en-US" dirty="0" smtClean="0"/>
+              <a:t>PATCH – Update/Modify only changed data</a:t>
+            </a:r>
+          </a:p>
+          <a:p>
+            <a:pPr lvl="1">
+              <a:spcAft>
+                <a:spcPts val="2000"/>
+              </a:spcAft>
+              <a:buFontTx/>
+              <a:buChar char="-"/>
+            </a:pPr>
+            <a:r>
+              <a:rPr lang="en-US" dirty="0" smtClean="0"/>
+              <a:t>DELETE – Delete data</a:t>
+            </a:r>
+            <a:endParaRPr lang="en-US" dirty="0" smtClean="0"/>
+          </a:p>
+          <a:p>
+            <a:pPr>
+              <a:spcAft>
+                <a:spcPts val="2000"/>
+              </a:spcAft>
+              <a:buFontTx/>
+              <a:buChar char="-"/>
+            </a:pPr>
+            <a:endParaRPr lang="en-US" dirty="0"/>
+          </a:p>
+          <a:p>
+            <a:pPr>
+              <a:spcAft>
+                <a:spcPts val="2000"/>
+              </a:spcAft>
+              <a:buFontTx/>
+              <a:buChar char="-"/>
+            </a:pPr>
+            <a:endParaRPr lang="en-US" dirty="0">
+              <a:latin typeface="Segoe UI" panose="020B0502040204020203" pitchFamily="34" charset="0"/>
+              <a:cs typeface="Segoe UI" panose="020B0502040204020203" pitchFamily="34" charset="0"/>
+            </a:endParaRPr>
+          </a:p>
+        </p:txBody>
+      </p:sp>
+    </p:spTree>
+    <p:extLst>
+      <p:ext uri="{BB962C8B-B14F-4D97-AF65-F5344CB8AC3E}">
+        <p14:creationId xmlns:p14="http://schemas.microsoft.com/office/powerpoint/2010/main" val="2990407224"/>
+      </p:ext>
+    </p:extLst>
+  </p:cSld>
+  <p:clrMapOvr>
+    <a:masterClrMapping/>
+  </p:clrMapOvr>
+  <mc:AlternateContent xmlns:mc="http://schemas.openxmlformats.org/markup-compatibility/2006" xmlns:p14="http://schemas.microsoft.com/office/powerpoint/2010/main">
+    <mc:Choice Requires="p14">
+      <p:transition p14:dur="10"/>
+    </mc:Choice>
+    <mc:Fallback xmlns="">
+      <p:transition/>
+    </mc:Fallback>
+  </mc:AlternateContent>
+</p:sld>
+</file>
+
+<file path=ppt/slides/slide9.xml><?xml version="1.0" encoding="utf-8"?>
+<p:sld xmlns:a="http://schemas.openxmlformats.org/drawingml/2006/main" xmlns:r="http://schemas.openxmlformats.org/officeDocument/2006/relationships" xmlns:p="http://schemas.openxmlformats.org/presentationml/2006/main">
+  <p:cSld>
+    <p:spTree>
+      <p:nvGrpSpPr>
+        <p:cNvPr id="1" name=""/>
+        <p:cNvGrpSpPr/>
+        <p:nvPr/>
+      </p:nvGrpSpPr>
+      <p:grpSpPr>
+        <a:xfrm>
+          <a:off x="0" y="0"/>
+          <a:ext cx="0" cy="0"/>
+          <a:chOff x="0" y="0"/>
+          <a:chExt cx="0" cy="0"/>
+        </a:xfrm>
+      </p:grpSpPr>
+      <p:sp>
+        <p:nvSpPr>
+          <p:cNvPr id="4" name="Title 3"/>
+          <p:cNvSpPr>
+            <a:spLocks noGrp="1"/>
+          </p:cNvSpPr>
+          <p:nvPr>
+            <p:ph type="title"/>
+          </p:nvPr>
+        </p:nvSpPr>
+        <p:spPr/>
+        <p:txBody>
+          <a:bodyPr>
+            <a:normAutofit/>
+          </a:bodyPr>
+          <a:lstStyle/>
+          <a:p>
+            <a:r>
+              <a:rPr lang="en-US" dirty="0"/>
+              <a:t>REST Cont’d</a:t>
+            </a:r>
+            <a:endParaRPr lang="en-US" dirty="0"/>
+          </a:p>
+        </p:txBody>
+      </p:sp>
+      <p:sp>
+        <p:nvSpPr>
+          <p:cNvPr id="25" name="Content Placeholder 17"/>
+          <p:cNvSpPr txBox="1">
+            <a:spLocks/>
+          </p:cNvSpPr>
+          <p:nvPr/>
+        </p:nvSpPr>
+        <p:spPr>
+          <a:xfrm>
+            <a:off x="541609" y="1455491"/>
+            <a:ext cx="9374748" cy="4607958"/>
+          </a:xfrm>
+          <a:prstGeom prst="rect">
+            <a:avLst/>
+          </a:prstGeom>
+        </p:spPr>
+        <p:txBody>
+          <a:bodyPr vert="horz" lIns="91440" tIns="45720" rIns="91440" bIns="45720" rtlCol="0">
+            <a:normAutofit/>
+          </a:bodyPr>
+          <a:lstStyle>
+            <a:lvl1pPr marL="228600" indent="-228600" algn="l" defTabSz="914400" rtl="0" eaLnBrk="1" latinLnBrk="0" hangingPunct="1">
+              <a:lnSpc>
+                <a:spcPts val="1800"/>
+              </a:lnSpc>
+              <a:spcBef>
+                <a:spcPts val="1000"/>
+              </a:spcBef>
+              <a:spcAft>
+                <a:spcPts val="1000"/>
+              </a:spcAft>
+              <a:buFont typeface="Arial" panose="020B0604020202020204" pitchFamily="34" charset="0"/>
+              <a:buChar char="•"/>
+              <a:defRPr lang="en-US" sz="1200" kern="1200" smtClean="0">
+                <a:solidFill>
+                  <a:schemeClr val="tx1">
+                    <a:lumMod val="75000"/>
+                    <a:lumOff val="25000"/>
+                  </a:schemeClr>
+                </a:solidFill>
+                <a:latin typeface="+mn-lt"/>
+                <a:ea typeface="+mn-ea"/>
+                <a:cs typeface="+mn-cs"/>
+              </a:defRPr>
+            </a:lvl1pPr>
+            <a:lvl2pPr marL="685800" indent="-228600" algn="l" defTabSz="914400" rtl="0" eaLnBrk="1" latinLnBrk="0" hangingPunct="1">
+              <a:lnSpc>
+                <a:spcPts val="1800"/>
+              </a:lnSpc>
+              <a:spcBef>
+                <a:spcPts val="1000"/>
+              </a:spcBef>
+              <a:spcAft>
+                <a:spcPts val="1000"/>
+              </a:spcAft>
+              <a:buFont typeface="Arial" panose="020B0604020202020204" pitchFamily="34" charset="0"/>
+              <a:buChar char="•"/>
+              <a:defRPr lang="en-US" sz="1200" kern="1200" smtClean="0">
+                <a:solidFill>
+                  <a:schemeClr val="tx1">
+                    <a:lumMod val="75000"/>
+                    <a:lumOff val="25000"/>
+                  </a:schemeClr>
+                </a:solidFill>
+                <a:latin typeface="+mn-lt"/>
+                <a:ea typeface="+mn-ea"/>
+                <a:cs typeface="+mn-cs"/>
+              </a:defRPr>
+            </a:lvl2pPr>
+            <a:lvl3pPr marL="1143000" indent="-228600" algn="l" defTabSz="914400" rtl="0" eaLnBrk="1" latinLnBrk="0" hangingPunct="1">
+              <a:lnSpc>
+                <a:spcPts val="1800"/>
+              </a:lnSpc>
+              <a:spcBef>
+                <a:spcPts val="1000"/>
+              </a:spcBef>
+              <a:spcAft>
+                <a:spcPts val="1000"/>
+              </a:spcAft>
+              <a:buFont typeface="Arial" panose="020B0604020202020204" pitchFamily="34" charset="0"/>
+              <a:buChar char="•"/>
+              <a:defRPr lang="en-US" sz="1200" kern="1200" smtClean="0">
+                <a:solidFill>
+                  <a:schemeClr val="tx1">
+                    <a:lumMod val="75000"/>
+                    <a:lumOff val="25000"/>
+                  </a:schemeClr>
+                </a:solidFill>
+                <a:latin typeface="+mn-lt"/>
+                <a:ea typeface="+mn-ea"/>
+                <a:cs typeface="+mn-cs"/>
+              </a:defRPr>
+            </a:lvl3pPr>
+            <a:lvl4pPr marL="1600200" indent="-228600" algn="l" defTabSz="914400" rtl="0" eaLnBrk="1" latinLnBrk="0" hangingPunct="1">
+              <a:lnSpc>
+                <a:spcPts val="1800"/>
+              </a:lnSpc>
+              <a:spcBef>
+                <a:spcPts val="1000"/>
+              </a:spcBef>
+              <a:spcAft>
+                <a:spcPts val="1000"/>
+              </a:spcAft>
+              <a:buFont typeface="Arial" panose="020B0604020202020204" pitchFamily="34" charset="0"/>
+              <a:buChar char="•"/>
+              <a:defRPr lang="en-US" sz="1200" kern="1200" smtClean="0">
+                <a:solidFill>
+                  <a:schemeClr val="tx1">
+                    <a:lumMod val="75000"/>
+                    <a:lumOff val="25000"/>
+                  </a:schemeClr>
+                </a:solidFill>
+                <a:latin typeface="+mn-lt"/>
+                <a:ea typeface="+mn-ea"/>
+                <a:cs typeface="+mn-cs"/>
+              </a:defRPr>
+            </a:lvl4pPr>
+            <a:lvl5pPr marL="2057400" indent="-228600" algn="l" defTabSz="914400" rtl="0" eaLnBrk="1" latinLnBrk="0" hangingPunct="1">
+              <a:lnSpc>
+                <a:spcPts val="1800"/>
+              </a:lnSpc>
+              <a:spcBef>
+                <a:spcPts val="1000"/>
+              </a:spcBef>
+              <a:spcAft>
+                <a:spcPts val="1000"/>
+              </a:spcAft>
+              <a:buFont typeface="Arial" panose="020B0604020202020204" pitchFamily="34" charset="0"/>
+              <a:buChar char="•"/>
+              <a:defRPr lang="en-US" sz="1200" kern="1200">
+                <a:solidFill>
+                  <a:schemeClr val="tx1">
+                    <a:lumMod val="75000"/>
+                    <a:lumOff val="25000"/>
+                  </a:schemeClr>
+                </a:solidFill>
+                <a:latin typeface="+mn-lt"/>
+                <a:ea typeface="+mn-ea"/>
+                <a:cs typeface="+mn-cs"/>
+              </a:defRPr>
+            </a:lvl5pPr>
+            <a:lvl6pPr marL="2514600" indent="-228600" algn="l" defTabSz="914400" rtl="0" eaLnBrk="1" latinLnBrk="0" hangingPunct="1">
+              <a:lnSpc>
+                <a:spcPct val="90000"/>
+              </a:lnSpc>
+              <a:spcBef>
+                <a:spcPct val="30000"/>
+              </a:spcBef>
+              <a:buFont typeface="Arial" panose="020B0604020202020204" pitchFamily="34" charset="0"/>
+              <a:buChar char="•"/>
+              <a:defRPr sz="1800" kern="1200">
+                <a:solidFill>
+                  <a:schemeClr val="tx1"/>
+                </a:solidFill>
+                <a:latin typeface="+mn-lt"/>
+                <a:ea typeface="+mn-ea"/>
+                <a:cs typeface="+mn-cs"/>
+              </a:defRPr>
+            </a:lvl6pPr>
+            <a:lvl7pPr marL="2971800" indent="-228600" algn="l" defTabSz="914400" rtl="0" eaLnBrk="1" latinLnBrk="0" hangingPunct="1">
+              <a:lnSpc>
+                <a:spcPct val="90000"/>
+              </a:lnSpc>
+              <a:spcBef>
+                <a:spcPct val="30000"/>
+              </a:spcBef>
+              <a:buFont typeface="Arial" panose="020B0604020202020204" pitchFamily="34" charset="0"/>
+              <a:buChar char="•"/>
+              <a:defRPr sz="1800" kern="1200">
+                <a:solidFill>
+                  <a:schemeClr val="tx1"/>
+                </a:solidFill>
+                <a:latin typeface="+mn-lt"/>
+                <a:ea typeface="+mn-ea"/>
+                <a:cs typeface="+mn-cs"/>
+              </a:defRPr>
+            </a:lvl7pPr>
+            <a:lvl8pPr marL="3429000" indent="-228600" algn="l" defTabSz="914400" rtl="0" eaLnBrk="1" latinLnBrk="0" hangingPunct="1">
+              <a:lnSpc>
+                <a:spcPct val="90000"/>
+              </a:lnSpc>
+              <a:spcBef>
+                <a:spcPct val="30000"/>
+              </a:spcBef>
+              <a:buFont typeface="Arial" panose="020B0604020202020204" pitchFamily="34" charset="0"/>
+              <a:buChar char="•"/>
+              <a:defRPr sz="1800" kern="1200">
+                <a:solidFill>
+                  <a:schemeClr val="tx1"/>
+                </a:solidFill>
+                <a:latin typeface="+mn-lt"/>
+                <a:ea typeface="+mn-ea"/>
+                <a:cs typeface="+mn-cs"/>
+              </a:defRPr>
+            </a:lvl8pPr>
+            <a:lvl9pPr marL="3886200" indent="-228600" algn="l" defTabSz="914400" rtl="0" eaLnBrk="1" latinLnBrk="0" hangingPunct="1">
+              <a:lnSpc>
+                <a:spcPct val="90000"/>
+              </a:lnSpc>
+              <a:spcBef>
+                <a:spcPct val="30000"/>
+              </a:spcBef>
+              <a:buFont typeface="Arial" panose="020B0604020202020204" pitchFamily="34" charset="0"/>
+              <a:buChar char="•"/>
+              <a:defRPr sz="1800" kern="1200">
+                <a:solidFill>
+                  <a:schemeClr val="tx1"/>
+                </a:solidFill>
+                <a:latin typeface="+mn-lt"/>
+                <a:ea typeface="+mn-ea"/>
+                <a:cs typeface="+mn-cs"/>
+              </a:defRPr>
+            </a:lvl9pPr>
+          </a:lstStyle>
+          <a:p>
+            <a:pPr>
+              <a:spcAft>
+                <a:spcPts val="2000"/>
+              </a:spcAft>
+              <a:buFontTx/>
+              <a:buChar char="-"/>
+            </a:pPr>
+            <a:r>
+              <a:rPr lang="en-US" dirty="0"/>
+              <a:t>A primary benefit of using REST, both from a client and server's perspective, is REST-based interactions happen using constructs that are familiar to anyone who is accustomed to using the internet's </a:t>
+            </a:r>
+            <a:r>
+              <a:rPr lang="en-US" dirty="0" smtClean="0"/>
+              <a:t>HTTP</a:t>
+            </a:r>
+          </a:p>
+          <a:p>
+            <a:pPr>
+              <a:spcAft>
+                <a:spcPts val="2000"/>
+              </a:spcAft>
+              <a:buFontTx/>
+              <a:buChar char="-"/>
+            </a:pPr>
+            <a:r>
+              <a:rPr lang="en-US" dirty="0"/>
+              <a:t>REST-based interactions all communicate their status using standard HTTP status </a:t>
+            </a:r>
+            <a:r>
+              <a:rPr lang="en-US" dirty="0" smtClean="0"/>
+              <a:t>codes</a:t>
+            </a:r>
+          </a:p>
+          <a:p>
+            <a:pPr lvl="1">
+              <a:spcAft>
+                <a:spcPts val="2000"/>
+              </a:spcAft>
+              <a:buFontTx/>
+              <a:buChar char="-"/>
+            </a:pPr>
+            <a:r>
+              <a:rPr lang="en-US" dirty="0"/>
+              <a:t>a 404 means a requested resource wasn't </a:t>
+            </a:r>
+            <a:r>
+              <a:rPr lang="en-US" dirty="0" smtClean="0"/>
+              <a:t>found</a:t>
+            </a:r>
+          </a:p>
+          <a:p>
+            <a:pPr lvl="1">
+              <a:spcAft>
+                <a:spcPts val="2000"/>
+              </a:spcAft>
+              <a:buFontTx/>
+              <a:buChar char="-"/>
+            </a:pPr>
+            <a:r>
+              <a:rPr lang="en-US" dirty="0"/>
+              <a:t>a 401 code means the request wasn't </a:t>
+            </a:r>
+            <a:r>
+              <a:rPr lang="en-US" dirty="0" smtClean="0"/>
+              <a:t>authorized</a:t>
+            </a:r>
+          </a:p>
+          <a:p>
+            <a:pPr lvl="1">
+              <a:spcAft>
+                <a:spcPts val="2000"/>
+              </a:spcAft>
+              <a:buFontTx/>
+              <a:buChar char="-"/>
+            </a:pPr>
+            <a:r>
+              <a:rPr lang="en-US" dirty="0"/>
+              <a:t> a 200 code means everything is </a:t>
+            </a:r>
+            <a:r>
+              <a:rPr lang="en-US" dirty="0" smtClean="0"/>
+              <a:t>OK</a:t>
+            </a:r>
+          </a:p>
+          <a:p>
+            <a:pPr lvl="1">
+              <a:spcAft>
+                <a:spcPts val="2000"/>
+              </a:spcAft>
+              <a:buFontTx/>
+              <a:buChar char="-"/>
+            </a:pPr>
+            <a:r>
+              <a:rPr lang="en-US" dirty="0"/>
+              <a:t>a 500 means there was an unrecoverable application error on the server</a:t>
+            </a:r>
+            <a:endParaRPr lang="en-US" dirty="0"/>
+          </a:p>
+          <a:p>
+            <a:pPr>
+              <a:spcAft>
+                <a:spcPts val="2000"/>
+              </a:spcAft>
+              <a:buFontTx/>
+              <a:buChar char="-"/>
+            </a:pPr>
+            <a:endParaRPr lang="en-US" dirty="0">
+              <a:latin typeface="Segoe UI" panose="020B0502040204020203" pitchFamily="34" charset="0"/>
+              <a:cs typeface="Segoe UI" panose="020B0502040204020203" pitchFamily="34" charset="0"/>
+            </a:endParaRPr>
+          </a:p>
+        </p:txBody>
+      </p:sp>
+    </p:spTree>
+    <p:extLst>
+      <p:ext uri="{BB962C8B-B14F-4D97-AF65-F5344CB8AC3E}">
+        <p14:creationId xmlns:p14="http://schemas.microsoft.com/office/powerpoint/2010/main" val="422822416"/>
+      </p:ext>
+    </p:extLst>
+  </p:cSld>
+  <p:clrMapOvr>
+    <a:masterClrMapping/>
+  </p:clrMapOvr>
+  <mc:AlternateContent xmlns:mc="http://schemas.openxmlformats.org/markup-compatibility/2006" xmlns:p14="http://schemas.microsoft.com/office/powerpoint/2010/main">
+    <mc:Choice Requires="p14">
+      <p:transition p14:dur="10"/>
+    </mc:Choice>
+    <mc:Fallback xmlns="">
+      <p:transition/>
     </mc:Fallback>
   </mc:AlternateContent>
 </p:sld>
@@ -4075,24 +6940,6 @@
 </file>
 
 <file path=customXml/item1.xml><?xml version="1.0" encoding="utf-8"?>
-<p:properties xmlns:p="http://schemas.microsoft.com/office/2006/metadata/properties" xmlns:xsi="http://www.w3.org/2001/XMLSchema-instance" xmlns:pc="http://schemas.microsoft.com/office/infopath/2007/PartnerControls">
-  <documentManagement>
-    <Status xmlns="71af3243-3dd4-4a8d-8c0d-dd76da1f02a5">Not started</Status>
-    <MediaServiceKeyPoints xmlns="71af3243-3dd4-4a8d-8c0d-dd76da1f02a5" xsi:nil="true"/>
-  </documentManagement>
-</p:properties>
-</file>
-
-<file path=customXml/item2.xml><?xml version="1.0" encoding="utf-8"?>
-<?mso-contentType ?>
-<FormTemplates xmlns="http://schemas.microsoft.com/sharepoint/v3/contenttype/forms">
-  <Display>DocumentLibraryForm</Display>
-  <Edit>DocumentLibraryForm</Edit>
-  <New>DocumentLibraryForm</New>
-</FormTemplates>
-</file>
-
-<file path=customXml/item3.xml><?xml version="1.0" encoding="utf-8"?>
 <ct:contentTypeSchema xmlns:ct="http://schemas.microsoft.com/office/2006/metadata/contentType" xmlns:ma="http://schemas.microsoft.com/office/2006/metadata/properties/metaAttributes" ct:_="" ma:_="" ma:contentTypeName="Document" ma:contentTypeID="0x01010079F111ED35F8CC479449609E8A0923A6" ma:contentTypeVersion="12" ma:contentTypeDescription="Create a new document." ma:contentTypeScope="" ma:versionID="a8a52e8c320b9a064ae3583ae3861c92">
   <xsd:schema xmlns:xsd="http://www.w3.org/2001/XMLSchema" xmlns:xs="http://www.w3.org/2001/XMLSchema" xmlns:p="http://schemas.microsoft.com/office/2006/metadata/properties" xmlns:ns2="71af3243-3dd4-4a8d-8c0d-dd76da1f02a5" xmlns:ns3="16c05727-aa75-4e4a-9b5f-8a80a1165891" targetNamespace="http://schemas.microsoft.com/office/2006/metadata/properties" ma:root="true" ma:fieldsID="88020cb39231a0945110f9cd888b521a" ns2:_="" ns3:_="">
     <xsd:import namespace="71af3243-3dd4-4a8d-8c0d-dd76da1f02a5"/>
@@ -4313,25 +7160,25 @@
 </ct:contentTypeSchema>
 </file>
 
-<file path=customXml/itemProps1.xml><?xml version="1.0" encoding="utf-8"?>
-<ds:datastoreItem xmlns:ds="http://schemas.openxmlformats.org/officeDocument/2006/customXml" ds:itemID="{950072C5-DDE0-4258-BA7A-4D4B80DFA632}">
-  <ds:schemaRefs>
-    <ds:schemaRef ds:uri="http://schemas.microsoft.com/office/2006/metadata/properties"/>
-    <ds:schemaRef ds:uri="http://schemas.microsoft.com/office/infopath/2007/PartnerControls"/>
-    <ds:schemaRef ds:uri="71af3243-3dd4-4a8d-8c0d-dd76da1f02a5"/>
-  </ds:schemaRefs>
-</ds:datastoreItem>
+<file path=customXml/item2.xml><?xml version="1.0" encoding="utf-8"?>
+<?mso-contentType ?>
+<FormTemplates xmlns="http://schemas.microsoft.com/sharepoint/v3/contenttype/forms">
+  <Display>DocumentLibraryForm</Display>
+  <Edit>DocumentLibraryForm</Edit>
+  <New>DocumentLibraryForm</New>
+</FormTemplates>
 </file>
 
-<file path=customXml/itemProps2.xml><?xml version="1.0" encoding="utf-8"?>
-<ds:datastoreItem xmlns:ds="http://schemas.openxmlformats.org/officeDocument/2006/customXml" ds:itemID="{7EE8C63A-4744-4DE4-BB49-0FF0B5375C60}">
-  <ds:schemaRefs>
-    <ds:schemaRef ds:uri="http://schemas.microsoft.com/sharepoint/v3/contenttype/forms"/>
-  </ds:schemaRefs>
-</ds:datastoreItem>
+<file path=customXml/item3.xml><?xml version="1.0" encoding="utf-8"?>
+<p:properties xmlns:p="http://schemas.microsoft.com/office/2006/metadata/properties" xmlns:xsi="http://www.w3.org/2001/XMLSchema-instance" xmlns:pc="http://schemas.microsoft.com/office/infopath/2007/PartnerControls">
+  <documentManagement>
+    <Status xmlns="71af3243-3dd4-4a8d-8c0d-dd76da1f02a5">Not started</Status>
+    <MediaServiceKeyPoints xmlns="71af3243-3dd4-4a8d-8c0d-dd76da1f02a5" xsi:nil="true"/>
+  </documentManagement>
+</p:properties>
 </file>
 
-<file path=customXml/itemProps3.xml><?xml version="1.0" encoding="utf-8"?>
+<file path=customXml/itemProps1.xml><?xml version="1.0" encoding="utf-8"?>
 <ds:datastoreItem xmlns:ds="http://schemas.openxmlformats.org/officeDocument/2006/customXml" ds:itemID="{FD7FC771-7DFE-49DA-B577-71181BFBCB2E}">
   <ds:schemaRefs>
     <ds:schemaRef ds:uri="http://schemas.microsoft.com/office/2006/metadata/contentType"/>
@@ -4348,4 +7195,22 @@
     <ds:schemaRef ds:uri="http://schemas.microsoft.com/internal/obd"/>
   </ds:schemaRefs>
 </ds:datastoreItem>
+</file>
+
+<file path=customXml/itemProps2.xml><?xml version="1.0" encoding="utf-8"?>
+<ds:datastoreItem xmlns:ds="http://schemas.openxmlformats.org/officeDocument/2006/customXml" ds:itemID="{7EE8C63A-4744-4DE4-BB49-0FF0B5375C60}">
+  <ds:schemaRefs>
+    <ds:schemaRef ds:uri="http://schemas.microsoft.com/sharepoint/v3/contenttype/forms"/>
+  </ds:schemaRefs>
+</ds:datastoreItem>
+</file>
+
+<file path=customXml/itemProps3.xml><?xml version="1.0" encoding="utf-8"?>
+<ds:datastoreItem xmlns:ds="http://schemas.openxmlformats.org/officeDocument/2006/customXml" ds:itemID="{950072C5-DDE0-4258-BA7A-4D4B80DFA632}">
+  <ds:schemaRefs>
+    <ds:schemaRef ds:uri="http://schemas.microsoft.com/office/2006/metadata/properties"/>
+    <ds:schemaRef ds:uri="http://schemas.microsoft.com/office/infopath/2007/PartnerControls"/>
+    <ds:schemaRef ds:uri="71af3243-3dd4-4a8d-8c0d-dd76da1f02a5"/>
+  </ds:schemaRefs>
+</ds:datastoreItem>
 </file>
--- a/restful-api-presentations/phillips-presentation-week-1.pptx
+++ b/restful-api-presentations/phillips-presentation-week-1.pptx
@@ -3286,11 +3286,7 @@
             </a:pPr>
             <a:r>
               <a:rPr lang="en-US" dirty="0" smtClean="0"/>
-              <a:t>- </a:t>
-            </a:r>
-            <a:r>
-              <a:rPr lang="en-US" dirty="0" smtClean="0"/>
-              <a:t>This allows REST to achieve its </a:t>
+              <a:t>- This allows REST to achieve its </a:t>
             </a:r>
             <a:r>
               <a:rPr lang="en-US" dirty="0"/>
@@ -3334,11 +3330,7 @@
             </a:pPr>
             <a:r>
               <a:rPr lang="en-US" dirty="0" smtClean="0"/>
-              <a:t>He is the </a:t>
-            </a:r>
-            <a:r>
-              <a:rPr lang="en-US" dirty="0" smtClean="0"/>
-              <a:t>father </a:t>
+              <a:t>He is the father </a:t>
             </a:r>
             <a:r>
               <a:rPr lang="en-US" dirty="0"/>
@@ -3442,7 +3434,6 @@
               <a:rPr lang="en-US" dirty="0"/>
               <a:t>REST Cont’d</a:t>
             </a:r>
-            <a:endParaRPr lang="en-US" dirty="0"/>
           </a:p>
         </p:txBody>
       </p:sp>
@@ -3847,7 +3838,6 @@
               <a:rPr lang="en-US" dirty="0"/>
               <a:t>REST Cont’d</a:t>
             </a:r>
-            <a:endParaRPr lang="en-US" dirty="0"/>
           </a:p>
         </p:txBody>
       </p:sp>
@@ -4186,11 +4176,7 @@
             </a:r>
             <a:r>
               <a:rPr lang="en-US" dirty="0" smtClean="0"/>
-              <a:t>w</a:t>
-            </a:r>
-            <a:r>
-              <a:rPr lang="en-US" dirty="0" smtClean="0"/>
-              <a:t>eb </a:t>
+              <a:t>web </a:t>
             </a:r>
             <a:r>
               <a:rPr lang="en-US" dirty="0"/>
@@ -4655,7 +4641,6 @@
               <a:rPr lang="en-US" dirty="0"/>
               <a:t>REST Cont’d</a:t>
             </a:r>
-            <a:endParaRPr lang="en-US" dirty="0"/>
           </a:p>
         </p:txBody>
       </p:sp>
@@ -5062,7 +5047,6 @@
               <a:rPr lang="en-US" dirty="0"/>
               <a:t>REST Cont’d</a:t>
             </a:r>
-            <a:endParaRPr lang="en-US" dirty="0"/>
           </a:p>
         </p:txBody>
       </p:sp>
@@ -5446,7 +5430,6 @@
               <a:rPr lang="en-US" dirty="0"/>
               <a:t>REST Cont’d</a:t>
             </a:r>
-            <a:endParaRPr lang="en-US" dirty="0"/>
           </a:p>
         </p:txBody>
       </p:sp>
@@ -5742,7 +5725,6 @@
               <a:rPr lang="en-US" dirty="0" smtClean="0"/>
               <a:t>DELETE – Delete data</a:t>
             </a:r>
-            <a:endParaRPr lang="en-US" dirty="0" smtClean="0"/>
           </a:p>
           <a:p>
             <a:pPr>
@@ -5828,7 +5810,6 @@
               <a:rPr lang="en-US" dirty="0"/>
               <a:t>REST Cont’d</a:t>
             </a:r>
-            <a:endParaRPr lang="en-US" dirty="0"/>
           </a:p>
         </p:txBody>
       </p:sp>
@@ -6144,7 +6125,6 @@
               <a:rPr lang="en-US" dirty="0"/>
               <a:t>a 500 means there was an unrecoverable application error on the server</a:t>
             </a:r>
-            <a:endParaRPr lang="en-US" dirty="0"/>
           </a:p>
           <a:p>
             <a:pPr>
@@ -7161,21 +7141,21 @@
 </file>
 
 <file path=customXml/item2.xml><?xml version="1.0" encoding="utf-8"?>
+<p:properties xmlns:p="http://schemas.microsoft.com/office/2006/metadata/properties" xmlns:xsi="http://www.w3.org/2001/XMLSchema-instance" xmlns:pc="http://schemas.microsoft.com/office/infopath/2007/PartnerControls">
+  <documentManagement>
+    <Status xmlns="71af3243-3dd4-4a8d-8c0d-dd76da1f02a5">Not started</Status>
+    <MediaServiceKeyPoints xmlns="71af3243-3dd4-4a8d-8c0d-dd76da1f02a5" xsi:nil="true"/>
+  </documentManagement>
+</p:properties>
+</file>
+
+<file path=customXml/item3.xml><?xml version="1.0" encoding="utf-8"?>
 <?mso-contentType ?>
 <FormTemplates xmlns="http://schemas.microsoft.com/sharepoint/v3/contenttype/forms">
   <Display>DocumentLibraryForm</Display>
   <Edit>DocumentLibraryForm</Edit>
   <New>DocumentLibraryForm</New>
 </FormTemplates>
-</file>
-
-<file path=customXml/item3.xml><?xml version="1.0" encoding="utf-8"?>
-<p:properties xmlns:p="http://schemas.microsoft.com/office/2006/metadata/properties" xmlns:xsi="http://www.w3.org/2001/XMLSchema-instance" xmlns:pc="http://schemas.microsoft.com/office/infopath/2007/PartnerControls">
-  <documentManagement>
-    <Status xmlns="71af3243-3dd4-4a8d-8c0d-dd76da1f02a5">Not started</Status>
-    <MediaServiceKeyPoints xmlns="71af3243-3dd4-4a8d-8c0d-dd76da1f02a5" xsi:nil="true"/>
-  </documentManagement>
-</p:properties>
 </file>
 
 <file path=customXml/itemProps1.xml><?xml version="1.0" encoding="utf-8"?>
@@ -7198,19 +7178,26 @@
 </file>
 
 <file path=customXml/itemProps2.xml><?xml version="1.0" encoding="utf-8"?>
+<ds:datastoreItem xmlns:ds="http://schemas.openxmlformats.org/officeDocument/2006/customXml" ds:itemID="{950072C5-DDE0-4258-BA7A-4D4B80DFA632}">
+  <ds:schemaRefs>
+    <ds:schemaRef ds:uri="http://schemas.openxmlformats.org/package/2006/metadata/core-properties"/>
+    <ds:schemaRef ds:uri="16c05727-aa75-4e4a-9b5f-8a80a1165891"/>
+    <ds:schemaRef ds:uri="http://schemas.microsoft.com/office/2006/documentManagement/types"/>
+    <ds:schemaRef ds:uri="http://schemas.microsoft.com/office/infopath/2007/PartnerControls"/>
+    <ds:schemaRef ds:uri="http://purl.org/dc/elements/1.1/"/>
+    <ds:schemaRef ds:uri="http://schemas.microsoft.com/office/2006/metadata/properties"/>
+    <ds:schemaRef ds:uri="http://purl.org/dc/terms/"/>
+    <ds:schemaRef ds:uri="71af3243-3dd4-4a8d-8c0d-dd76da1f02a5"/>
+    <ds:schemaRef ds:uri="http://www.w3.org/XML/1998/namespace"/>
+    <ds:schemaRef ds:uri="http://purl.org/dc/dcmitype/"/>
+  </ds:schemaRefs>
+</ds:datastoreItem>
+</file>
+
+<file path=customXml/itemProps3.xml><?xml version="1.0" encoding="utf-8"?>
 <ds:datastoreItem xmlns:ds="http://schemas.openxmlformats.org/officeDocument/2006/customXml" ds:itemID="{7EE8C63A-4744-4DE4-BB49-0FF0B5375C60}">
   <ds:schemaRefs>
     <ds:schemaRef ds:uri="http://schemas.microsoft.com/sharepoint/v3/contenttype/forms"/>
   </ds:schemaRefs>
 </ds:datastoreItem>
-</file>
-
-<file path=customXml/itemProps3.xml><?xml version="1.0" encoding="utf-8"?>
-<ds:datastoreItem xmlns:ds="http://schemas.openxmlformats.org/officeDocument/2006/customXml" ds:itemID="{950072C5-DDE0-4258-BA7A-4D4B80DFA632}">
-  <ds:schemaRefs>
-    <ds:schemaRef ds:uri="http://schemas.microsoft.com/office/2006/metadata/properties"/>
-    <ds:schemaRef ds:uri="http://schemas.microsoft.com/office/infopath/2007/PartnerControls"/>
-    <ds:schemaRef ds:uri="71af3243-3dd4-4a8d-8c0d-dd76da1f02a5"/>
-  </ds:schemaRefs>
-</ds:datastoreItem>
 </file>